--- a/images/detect_pilot_graphics.pptx
+++ b/images/detect_pilot_graphics.pptx
@@ -5,11 +5,12 @@
     <p:sldMasterId id="2147483648" r:id="rId1"/>
   </p:sldMasterIdLst>
   <p:notesMasterIdLst>
-    <p:notesMasterId r:id="rId4"/>
+    <p:notesMasterId r:id="rId5"/>
   </p:notesMasterIdLst>
   <p:sldIdLst>
     <p:sldId id="256" r:id="rId2"/>
     <p:sldId id="258" r:id="rId3"/>
+    <p:sldId id="259" r:id="rId4"/>
   </p:sldIdLst>
   <p:sldSz cx="12192000" cy="6858000"/>
   <p:notesSz cx="6858000" cy="9144000"/>
@@ -198,7 +199,7 @@
           <a:p>
             <a:fld id="{100C7322-DBA3-BF43-82FB-6F78055E2C71}" type="datetimeFigureOut">
               <a:rPr lang="en-US" smtClean="0"/>
-              <a:t>1/28/18</a:t>
+              <a:t>3/16/18</a:t>
             </a:fld>
             <a:endParaRPr lang="en-US"/>
           </a:p>
@@ -549,6 +550,202 @@
 </p:notes>
 </file>
 
+<file path=ppt/notesSlides/notesSlide2.xml><?xml version="1.0" encoding="utf-8"?>
+<p:notes xmlns:a="http://schemas.openxmlformats.org/drawingml/2006/main" xmlns:r="http://schemas.openxmlformats.org/officeDocument/2006/relationships" xmlns:p="http://schemas.openxmlformats.org/presentationml/2006/main">
+  <p:cSld>
+    <p:spTree>
+      <p:nvGrpSpPr>
+        <p:cNvPr id="1" name=""/>
+        <p:cNvGrpSpPr/>
+        <p:nvPr/>
+      </p:nvGrpSpPr>
+      <p:grpSpPr>
+        <a:xfrm>
+          <a:off x="0" y="0"/>
+          <a:ext cx="0" cy="0"/>
+          <a:chOff x="0" y="0"/>
+          <a:chExt cx="0" cy="0"/>
+        </a:xfrm>
+      </p:grpSpPr>
+      <p:sp>
+        <p:nvSpPr>
+          <p:cNvPr id="2" name="Slide Image Placeholder 1"/>
+          <p:cNvSpPr>
+            <a:spLocks noGrp="1" noRot="1" noChangeAspect="1"/>
+          </p:cNvSpPr>
+          <p:nvPr>
+            <p:ph type="sldImg"/>
+          </p:nvPr>
+        </p:nvSpPr>
+        <p:spPr/>
+      </p:sp>
+      <p:sp>
+        <p:nvSpPr>
+          <p:cNvPr id="3" name="Notes Placeholder 2"/>
+          <p:cNvSpPr>
+            <a:spLocks noGrp="1"/>
+          </p:cNvSpPr>
+          <p:nvPr>
+            <p:ph type="body" idx="1"/>
+          </p:nvPr>
+        </p:nvSpPr>
+        <p:spPr/>
+        <p:txBody>
+          <a:bodyPr/>
+          <a:lstStyle/>
+          <a:p>
+            <a:pPr marL="171450" indent="-171450">
+              <a:buFont typeface="Arial" panose="020B0604020202020204" pitchFamily="34" charset="0"/>
+              <a:buChar char="•"/>
+            </a:pPr>
+            <a:r>
+              <a:rPr lang="en-US" dirty="0"/>
+              <a:t>Incident ID is not in the data</a:t>
+            </a:r>
+          </a:p>
+          <a:p>
+            <a:pPr marL="171450" indent="-171450">
+              <a:buFont typeface="Arial" panose="020B0604020202020204" pitchFamily="34" charset="0"/>
+              <a:buChar char="•"/>
+            </a:pPr>
+            <a:r>
+              <a:rPr lang="en-US" dirty="0"/>
+              <a:t>Response number</a:t>
+            </a:r>
+          </a:p>
+          <a:p>
+            <a:pPr marL="628650" lvl="1" indent="-171450">
+              <a:buFont typeface="Arial" panose="020B0604020202020204" pitchFamily="34" charset="0"/>
+              <a:buChar char="•"/>
+            </a:pPr>
+            <a:r>
+              <a:rPr lang="en-US" dirty="0" err="1"/>
+              <a:t>ymd</a:t>
+            </a:r>
+            <a:r>
+              <a:rPr lang="en-US" dirty="0"/>
+              <a:t>###</a:t>
+            </a:r>
+          </a:p>
+          <a:p>
+            <a:pPr marL="628650" lvl="1" indent="-171450">
+              <a:buFont typeface="Arial" panose="020B0604020202020204" pitchFamily="34" charset="0"/>
+              <a:buChar char="•"/>
+            </a:pPr>
+            <a:r>
+              <a:rPr lang="en-US" dirty="0"/>
+              <a:t>Each response number is associated with a single person</a:t>
+            </a:r>
+          </a:p>
+          <a:p>
+            <a:pPr marL="628650" lvl="1" indent="-171450">
+              <a:buFont typeface="Arial" panose="020B0604020202020204" pitchFamily="34" charset="0"/>
+              <a:buChar char="•"/>
+            </a:pPr>
+            <a:r>
+              <a:rPr lang="en-US" dirty="0"/>
+              <a:t>A person who was treated by </a:t>
+            </a:r>
+            <a:r>
+              <a:rPr lang="en-US" dirty="0" err="1"/>
+              <a:t>MedStar</a:t>
+            </a:r>
+            <a:r>
+              <a:rPr lang="en-US" dirty="0"/>
+              <a:t> multiple times will have multiple response numbers. Therefore, response number does not necessarily uniquely identify a person.</a:t>
+            </a:r>
+          </a:p>
+          <a:p>
+            <a:pPr marL="628650" lvl="1" indent="-171450">
+              <a:buFont typeface="Arial" panose="020B0604020202020204" pitchFamily="34" charset="0"/>
+              <a:buChar char="•"/>
+            </a:pPr>
+            <a:r>
+              <a:rPr lang="en-US" dirty="0"/>
+              <a:t>Response number does uniquely identify a person/incident combination</a:t>
+            </a:r>
+          </a:p>
+          <a:p>
+            <a:pPr marL="628650" lvl="1" indent="-171450">
+              <a:buFont typeface="Arial" panose="020B0604020202020204" pitchFamily="34" charset="0"/>
+              <a:buChar char="•"/>
+            </a:pPr>
+            <a:r>
+              <a:rPr lang="en-US" dirty="0"/>
+              <a:t>There cannot be more than one DETECT screening input into the </a:t>
+            </a:r>
+            <a:r>
+              <a:rPr lang="en-US" dirty="0" err="1"/>
+              <a:t>ePCR</a:t>
+            </a:r>
+            <a:r>
+              <a:rPr lang="en-US" dirty="0"/>
+              <a:t> for a given person/incident (response number)</a:t>
+            </a:r>
+          </a:p>
+          <a:p>
+            <a:pPr marL="628650" lvl="1" indent="-171450">
+              <a:buFont typeface="Arial" panose="020B0604020202020204" pitchFamily="34" charset="0"/>
+              <a:buChar char="•"/>
+            </a:pPr>
+            <a:r>
+              <a:rPr lang="en-US" dirty="0"/>
+              <a:t>Therefore response number should uniquely identify a DETECT screening.</a:t>
+            </a:r>
+          </a:p>
+          <a:p>
+            <a:pPr marL="628650" lvl="1" indent="-171450">
+              <a:buFont typeface="Arial" panose="020B0604020202020204" pitchFamily="34" charset="0"/>
+              <a:buChar char="•"/>
+            </a:pPr>
+            <a:r>
+              <a:rPr lang="en-US" dirty="0"/>
+              <a:t>Check for multiple rows with the </a:t>
+            </a:r>
+            <a:r>
+              <a:rPr lang="en-US"/>
+              <a:t>same response number.</a:t>
+            </a:r>
+            <a:endParaRPr lang="en-US" dirty="0"/>
+          </a:p>
+        </p:txBody>
+      </p:sp>
+      <p:sp>
+        <p:nvSpPr>
+          <p:cNvPr id="4" name="Slide Number Placeholder 3"/>
+          <p:cNvSpPr>
+            <a:spLocks noGrp="1"/>
+          </p:cNvSpPr>
+          <p:nvPr>
+            <p:ph type="sldNum" sz="quarter" idx="10"/>
+          </p:nvPr>
+        </p:nvSpPr>
+        <p:spPr/>
+        <p:txBody>
+          <a:bodyPr/>
+          <a:lstStyle/>
+          <a:p>
+            <a:fld id="{36CF411A-600F-FC49-9C41-9076F6F2B99C}" type="slidenum">
+              <a:rPr lang="en-US" smtClean="0"/>
+              <a:t>3</a:t>
+            </a:fld>
+            <a:endParaRPr lang="en-US"/>
+          </a:p>
+        </p:txBody>
+      </p:sp>
+    </p:spTree>
+    <p:extLst>
+      <p:ext uri="{BB962C8B-B14F-4D97-AF65-F5344CB8AC3E}">
+        <p14:creationId xmlns:p14="http://schemas.microsoft.com/office/powerpoint/2010/main" val="4279429254"/>
+      </p:ext>
+    </p:extLst>
+  </p:cSld>
+  <p:clrMapOvr>
+    <a:masterClrMapping/>
+  </p:clrMapOvr>
+</p:notes>
+</file>
+
 <file path=ppt/slideLayouts/slideLayout1.xml><?xml version="1.0" encoding="utf-8"?>
 <p:sldLayout xmlns:a="http://schemas.openxmlformats.org/drawingml/2006/main" xmlns:r="http://schemas.openxmlformats.org/officeDocument/2006/relationships" xmlns:p="http://schemas.openxmlformats.org/presentationml/2006/main" type="title" preserve="1">
   <p:cSld name="Title Slide">
@@ -696,7 +893,7 @@
           <a:p>
             <a:fld id="{D4835627-BE63-6D44-A8D4-6AB599939C0A}" type="datetimeFigureOut">
               <a:rPr lang="en-US" smtClean="0"/>
-              <a:t>1/28/18</a:t>
+              <a:t>3/16/18</a:t>
             </a:fld>
             <a:endParaRPr lang="en-US"/>
           </a:p>
@@ -894,7 +1091,7 @@
           <a:p>
             <a:fld id="{D4835627-BE63-6D44-A8D4-6AB599939C0A}" type="datetimeFigureOut">
               <a:rPr lang="en-US" smtClean="0"/>
-              <a:t>1/28/18</a:t>
+              <a:t>3/16/18</a:t>
             </a:fld>
             <a:endParaRPr lang="en-US"/>
           </a:p>
@@ -1102,7 +1299,7 @@
           <a:p>
             <a:fld id="{D4835627-BE63-6D44-A8D4-6AB599939C0A}" type="datetimeFigureOut">
               <a:rPr lang="en-US" smtClean="0"/>
-              <a:t>1/28/18</a:t>
+              <a:t>3/16/18</a:t>
             </a:fld>
             <a:endParaRPr lang="en-US"/>
           </a:p>
@@ -1300,7 +1497,7 @@
           <a:p>
             <a:fld id="{D4835627-BE63-6D44-A8D4-6AB599939C0A}" type="datetimeFigureOut">
               <a:rPr lang="en-US" smtClean="0"/>
-              <a:t>1/28/18</a:t>
+              <a:t>3/16/18</a:t>
             </a:fld>
             <a:endParaRPr lang="en-US"/>
           </a:p>
@@ -1575,7 +1772,7 @@
           <a:p>
             <a:fld id="{D4835627-BE63-6D44-A8D4-6AB599939C0A}" type="datetimeFigureOut">
               <a:rPr lang="en-US" smtClean="0"/>
-              <a:t>1/28/18</a:t>
+              <a:t>3/16/18</a:t>
             </a:fld>
             <a:endParaRPr lang="en-US"/>
           </a:p>
@@ -1840,7 +2037,7 @@
           <a:p>
             <a:fld id="{D4835627-BE63-6D44-A8D4-6AB599939C0A}" type="datetimeFigureOut">
               <a:rPr lang="en-US" smtClean="0"/>
-              <a:t>1/28/18</a:t>
+              <a:t>3/16/18</a:t>
             </a:fld>
             <a:endParaRPr lang="en-US"/>
           </a:p>
@@ -2252,7 +2449,7 @@
           <a:p>
             <a:fld id="{D4835627-BE63-6D44-A8D4-6AB599939C0A}" type="datetimeFigureOut">
               <a:rPr lang="en-US" smtClean="0"/>
-              <a:t>1/28/18</a:t>
+              <a:t>3/16/18</a:t>
             </a:fld>
             <a:endParaRPr lang="en-US"/>
           </a:p>
@@ -2393,7 +2590,7 @@
           <a:p>
             <a:fld id="{D4835627-BE63-6D44-A8D4-6AB599939C0A}" type="datetimeFigureOut">
               <a:rPr lang="en-US" smtClean="0"/>
-              <a:t>1/28/18</a:t>
+              <a:t>3/16/18</a:t>
             </a:fld>
             <a:endParaRPr lang="en-US"/>
           </a:p>
@@ -2506,7 +2703,7 @@
           <a:p>
             <a:fld id="{D4835627-BE63-6D44-A8D4-6AB599939C0A}" type="datetimeFigureOut">
               <a:rPr lang="en-US" smtClean="0"/>
-              <a:t>1/28/18</a:t>
+              <a:t>3/16/18</a:t>
             </a:fld>
             <a:endParaRPr lang="en-US"/>
           </a:p>
@@ -2817,7 +3014,7 @@
           <a:p>
             <a:fld id="{D4835627-BE63-6D44-A8D4-6AB599939C0A}" type="datetimeFigureOut">
               <a:rPr lang="en-US" smtClean="0"/>
-              <a:t>1/28/18</a:t>
+              <a:t>3/16/18</a:t>
             </a:fld>
             <a:endParaRPr lang="en-US"/>
           </a:p>
@@ -3105,7 +3302,7 @@
           <a:p>
             <a:fld id="{D4835627-BE63-6D44-A8D4-6AB599939C0A}" type="datetimeFigureOut">
               <a:rPr lang="en-US" smtClean="0"/>
-              <a:t>1/28/18</a:t>
+              <a:t>3/16/18</a:t>
             </a:fld>
             <a:endParaRPr lang="en-US"/>
           </a:p>
@@ -3346,7 +3543,7 @@
           <a:p>
             <a:fld id="{D4835627-BE63-6D44-A8D4-6AB599939C0A}" type="datetimeFigureOut">
               <a:rPr lang="en-US" smtClean="0"/>
-              <a:t>1/28/18</a:t>
+              <a:t>3/16/18</a:t>
             </a:fld>
             <a:endParaRPr lang="en-US"/>
           </a:p>
@@ -4621,6 +4818,684 @@
     <p:extLst>
       <p:ext uri="{BB962C8B-B14F-4D97-AF65-F5344CB8AC3E}">
         <p14:creationId xmlns:p14="http://schemas.microsoft.com/office/powerpoint/2010/main" val="2671798362"/>
+      </p:ext>
+    </p:extLst>
+  </p:cSld>
+  <p:clrMapOvr>
+    <a:masterClrMapping/>
+  </p:clrMapOvr>
+</p:sld>
+</file>
+
+<file path=ppt/slides/slide3.xml><?xml version="1.0" encoding="utf-8"?>
+<p:sld xmlns:a="http://schemas.openxmlformats.org/drawingml/2006/main" xmlns:r="http://schemas.openxmlformats.org/officeDocument/2006/relationships" xmlns:p="http://schemas.openxmlformats.org/presentationml/2006/main">
+  <p:cSld>
+    <p:spTree>
+      <p:nvGrpSpPr>
+        <p:cNvPr id="1" name=""/>
+        <p:cNvGrpSpPr/>
+        <p:nvPr/>
+      </p:nvGrpSpPr>
+      <p:grpSpPr>
+        <a:xfrm>
+          <a:off x="0" y="0"/>
+          <a:ext cx="0" cy="0"/>
+          <a:chOff x="0" y="0"/>
+          <a:chExt cx="0" cy="0"/>
+        </a:xfrm>
+      </p:grpSpPr>
+      <p:sp>
+        <p:nvSpPr>
+          <p:cNvPr id="2" name="TextBox 1">
+            <a:extLst>
+              <a:ext uri="{FF2B5EF4-FFF2-40B4-BE49-F238E27FC236}">
+                <a16:creationId xmlns:a16="http://schemas.microsoft.com/office/drawing/2014/main" id="{B3E35D0C-F7CD-0F43-828D-5A2D70017160}"/>
+              </a:ext>
+            </a:extLst>
+          </p:cNvPr>
+          <p:cNvSpPr txBox="1"/>
+          <p:nvPr/>
+        </p:nvSpPr>
+        <p:spPr>
+          <a:xfrm>
+            <a:off x="226031" y="113016"/>
+            <a:ext cx="2527443" cy="369332"/>
+          </a:xfrm>
+          <a:prstGeom prst="rect">
+            <a:avLst/>
+          </a:prstGeom>
+          <a:noFill/>
+        </p:spPr>
+        <p:txBody>
+          <a:bodyPr wrap="square" rtlCol="0">
+            <a:spAutoFit/>
+          </a:bodyPr>
+          <a:lstStyle/>
+          <a:p>
+            <a:r>
+              <a:rPr lang="en-US" dirty="0" err="1"/>
+              <a:t>MedStar</a:t>
+            </a:r>
+            <a:r>
+              <a:rPr lang="en-US" dirty="0"/>
+              <a:t> DETECT Data</a:t>
+            </a:r>
+          </a:p>
+        </p:txBody>
+      </p:sp>
+      <p:sp>
+        <p:nvSpPr>
+          <p:cNvPr id="3" name="Rectangle 2">
+            <a:extLst>
+              <a:ext uri="{FF2B5EF4-FFF2-40B4-BE49-F238E27FC236}">
+                <a16:creationId xmlns:a16="http://schemas.microsoft.com/office/drawing/2014/main" id="{CC0A54E9-EBE4-394E-AC3E-DF0C43744EB2}"/>
+              </a:ext>
+            </a:extLst>
+          </p:cNvPr>
+          <p:cNvSpPr/>
+          <p:nvPr/>
+        </p:nvSpPr>
+        <p:spPr>
+          <a:xfrm>
+            <a:off x="4633647" y="921249"/>
+            <a:ext cx="1469205" cy="924674"/>
+          </a:xfrm>
+          <a:prstGeom prst="rect">
+            <a:avLst/>
+          </a:prstGeom>
+        </p:spPr>
+        <p:style>
+          <a:lnRef idx="2">
+            <a:schemeClr val="dk1"/>
+          </a:lnRef>
+          <a:fillRef idx="1">
+            <a:schemeClr val="lt1"/>
+          </a:fillRef>
+          <a:effectRef idx="0">
+            <a:schemeClr val="dk1"/>
+          </a:effectRef>
+          <a:fontRef idx="minor">
+            <a:schemeClr val="dk1"/>
+          </a:fontRef>
+        </p:style>
+        <p:txBody>
+          <a:bodyPr rtlCol="0" anchor="ctr"/>
+          <a:lstStyle/>
+          <a:p>
+            <a:pPr algn="ctr"/>
+            <a:r>
+              <a:rPr lang="en-US" dirty="0"/>
+              <a:t>Response 01</a:t>
+            </a:r>
+          </a:p>
+          <a:p>
+            <a:pPr algn="ctr"/>
+            <a:r>
+              <a:rPr lang="en-US" dirty="0"/>
+              <a:t>Mary Smith</a:t>
+            </a:r>
+          </a:p>
+        </p:txBody>
+      </p:sp>
+      <p:sp>
+        <p:nvSpPr>
+          <p:cNvPr id="4" name="Rectangle 3">
+            <a:extLst>
+              <a:ext uri="{FF2B5EF4-FFF2-40B4-BE49-F238E27FC236}">
+                <a16:creationId xmlns:a16="http://schemas.microsoft.com/office/drawing/2014/main" id="{8670074E-19EB-8444-B966-96CA64E086FA}"/>
+              </a:ext>
+            </a:extLst>
+          </p:cNvPr>
+          <p:cNvSpPr/>
+          <p:nvPr/>
+        </p:nvSpPr>
+        <p:spPr>
+          <a:xfrm>
+            <a:off x="226031" y="563367"/>
+            <a:ext cx="1469205" cy="924674"/>
+          </a:xfrm>
+          <a:prstGeom prst="rect">
+            <a:avLst/>
+          </a:prstGeom>
+        </p:spPr>
+        <p:style>
+          <a:lnRef idx="2">
+            <a:schemeClr val="dk1"/>
+          </a:lnRef>
+          <a:fillRef idx="1">
+            <a:schemeClr val="lt1"/>
+          </a:fillRef>
+          <a:effectRef idx="0">
+            <a:schemeClr val="dk1"/>
+          </a:effectRef>
+          <a:fontRef idx="minor">
+            <a:schemeClr val="dk1"/>
+          </a:fontRef>
+        </p:style>
+        <p:txBody>
+          <a:bodyPr rtlCol="0" anchor="ctr"/>
+          <a:lstStyle/>
+          <a:p>
+            <a:pPr algn="ctr"/>
+            <a:r>
+              <a:rPr lang="en-US" dirty="0"/>
+              <a:t>911 Call</a:t>
+            </a:r>
+          </a:p>
+        </p:txBody>
+      </p:sp>
+      <p:sp>
+        <p:nvSpPr>
+          <p:cNvPr id="5" name="Rectangle 4">
+            <a:extLst>
+              <a:ext uri="{FF2B5EF4-FFF2-40B4-BE49-F238E27FC236}">
+                <a16:creationId xmlns:a16="http://schemas.microsoft.com/office/drawing/2014/main" id="{9AF81C9C-F727-0B49-AE42-06AB76B5C834}"/>
+              </a:ext>
+            </a:extLst>
+          </p:cNvPr>
+          <p:cNvSpPr/>
+          <p:nvPr/>
+        </p:nvSpPr>
+        <p:spPr>
+          <a:xfrm>
+            <a:off x="2429839" y="1845923"/>
+            <a:ext cx="1469205" cy="924674"/>
+          </a:xfrm>
+          <a:prstGeom prst="rect">
+            <a:avLst/>
+          </a:prstGeom>
+        </p:spPr>
+        <p:style>
+          <a:lnRef idx="2">
+            <a:schemeClr val="dk1"/>
+          </a:lnRef>
+          <a:fillRef idx="1">
+            <a:schemeClr val="lt1"/>
+          </a:fillRef>
+          <a:effectRef idx="0">
+            <a:schemeClr val="dk1"/>
+          </a:effectRef>
+          <a:fontRef idx="minor">
+            <a:schemeClr val="dk1"/>
+          </a:fontRef>
+        </p:style>
+        <p:txBody>
+          <a:bodyPr rtlCol="0" anchor="ctr"/>
+          <a:lstStyle/>
+          <a:p>
+            <a:pPr algn="ctr"/>
+            <a:r>
+              <a:rPr lang="en-US" dirty="0"/>
+              <a:t>Incident 001</a:t>
+            </a:r>
+          </a:p>
+        </p:txBody>
+      </p:sp>
+      <p:sp>
+        <p:nvSpPr>
+          <p:cNvPr id="6" name="Rectangle 5">
+            <a:extLst>
+              <a:ext uri="{FF2B5EF4-FFF2-40B4-BE49-F238E27FC236}">
+                <a16:creationId xmlns:a16="http://schemas.microsoft.com/office/drawing/2014/main" id="{BF7F0FBC-C12D-C848-9472-E09020D7BAB4}"/>
+              </a:ext>
+            </a:extLst>
+          </p:cNvPr>
+          <p:cNvSpPr/>
+          <p:nvPr/>
+        </p:nvSpPr>
+        <p:spPr>
+          <a:xfrm>
+            <a:off x="226031" y="1845923"/>
+            <a:ext cx="1469205" cy="924674"/>
+          </a:xfrm>
+          <a:prstGeom prst="rect">
+            <a:avLst/>
+          </a:prstGeom>
+        </p:spPr>
+        <p:style>
+          <a:lnRef idx="2">
+            <a:schemeClr val="dk1"/>
+          </a:lnRef>
+          <a:fillRef idx="1">
+            <a:schemeClr val="lt1"/>
+          </a:fillRef>
+          <a:effectRef idx="0">
+            <a:schemeClr val="dk1"/>
+          </a:effectRef>
+          <a:fontRef idx="minor">
+            <a:schemeClr val="dk1"/>
+          </a:fontRef>
+        </p:style>
+        <p:txBody>
+          <a:bodyPr rtlCol="0" anchor="ctr"/>
+          <a:lstStyle/>
+          <a:p>
+            <a:pPr algn="ctr"/>
+            <a:r>
+              <a:rPr lang="en-US" dirty="0"/>
+              <a:t>Ambulance 1</a:t>
+            </a:r>
+          </a:p>
+        </p:txBody>
+      </p:sp>
+      <p:cxnSp>
+        <p:nvCxnSpPr>
+          <p:cNvPr id="8" name="Straight Arrow Connector 7">
+            <a:extLst>
+              <a:ext uri="{FF2B5EF4-FFF2-40B4-BE49-F238E27FC236}">
+                <a16:creationId xmlns:a16="http://schemas.microsoft.com/office/drawing/2014/main" id="{ED12CF4A-C3EB-F947-AB79-718D81846B45}"/>
+              </a:ext>
+            </a:extLst>
+          </p:cNvPr>
+          <p:cNvCxnSpPr>
+            <a:stCxn id="4" idx="2"/>
+            <a:endCxn id="6" idx="0"/>
+          </p:cNvCxnSpPr>
+          <p:nvPr/>
+        </p:nvCxnSpPr>
+        <p:spPr>
+          <a:xfrm>
+            <a:off x="960634" y="1488041"/>
+            <a:ext cx="0" cy="357882"/>
+          </a:xfrm>
+          <a:prstGeom prst="straightConnector1">
+            <a:avLst/>
+          </a:prstGeom>
+          <a:ln>
+            <a:tailEnd type="triangle"/>
+          </a:ln>
+        </p:spPr>
+        <p:style>
+          <a:lnRef idx="1">
+            <a:schemeClr val="accent1"/>
+          </a:lnRef>
+          <a:fillRef idx="0">
+            <a:schemeClr val="accent1"/>
+          </a:fillRef>
+          <a:effectRef idx="0">
+            <a:schemeClr val="accent1"/>
+          </a:effectRef>
+          <a:fontRef idx="minor">
+            <a:schemeClr val="tx1"/>
+          </a:fontRef>
+        </p:style>
+      </p:cxnSp>
+      <p:cxnSp>
+        <p:nvCxnSpPr>
+          <p:cNvPr id="10" name="Straight Arrow Connector 9">
+            <a:extLst>
+              <a:ext uri="{FF2B5EF4-FFF2-40B4-BE49-F238E27FC236}">
+                <a16:creationId xmlns:a16="http://schemas.microsoft.com/office/drawing/2014/main" id="{2A7EC17F-58A4-124E-9D3C-6209AC4F38B3}"/>
+              </a:ext>
+            </a:extLst>
+          </p:cNvPr>
+          <p:cNvCxnSpPr>
+            <a:stCxn id="6" idx="3"/>
+            <a:endCxn id="5" idx="1"/>
+          </p:cNvCxnSpPr>
+          <p:nvPr/>
+        </p:nvCxnSpPr>
+        <p:spPr>
+          <a:xfrm>
+            <a:off x="1695236" y="2308260"/>
+            <a:ext cx="734603" cy="0"/>
+          </a:xfrm>
+          <a:prstGeom prst="straightConnector1">
+            <a:avLst/>
+          </a:prstGeom>
+          <a:ln>
+            <a:tailEnd type="triangle"/>
+          </a:ln>
+        </p:spPr>
+        <p:style>
+          <a:lnRef idx="1">
+            <a:schemeClr val="accent1"/>
+          </a:lnRef>
+          <a:fillRef idx="0">
+            <a:schemeClr val="accent1"/>
+          </a:fillRef>
+          <a:effectRef idx="0">
+            <a:schemeClr val="accent1"/>
+          </a:effectRef>
+          <a:fontRef idx="minor">
+            <a:schemeClr val="tx1"/>
+          </a:fontRef>
+        </p:style>
+      </p:cxnSp>
+      <p:sp>
+        <p:nvSpPr>
+          <p:cNvPr id="11" name="Rectangle 10">
+            <a:extLst>
+              <a:ext uri="{FF2B5EF4-FFF2-40B4-BE49-F238E27FC236}">
+                <a16:creationId xmlns:a16="http://schemas.microsoft.com/office/drawing/2014/main" id="{333C45C3-C085-4248-B373-684F2FB150AC}"/>
+              </a:ext>
+            </a:extLst>
+          </p:cNvPr>
+          <p:cNvSpPr/>
+          <p:nvPr/>
+        </p:nvSpPr>
+        <p:spPr>
+          <a:xfrm>
+            <a:off x="4633647" y="2770597"/>
+            <a:ext cx="1469205" cy="924674"/>
+          </a:xfrm>
+          <a:prstGeom prst="rect">
+            <a:avLst/>
+          </a:prstGeom>
+        </p:spPr>
+        <p:style>
+          <a:lnRef idx="2">
+            <a:schemeClr val="dk1"/>
+          </a:lnRef>
+          <a:fillRef idx="1">
+            <a:schemeClr val="lt1"/>
+          </a:fillRef>
+          <a:effectRef idx="0">
+            <a:schemeClr val="dk1"/>
+          </a:effectRef>
+          <a:fontRef idx="minor">
+            <a:schemeClr val="dk1"/>
+          </a:fontRef>
+        </p:style>
+        <p:txBody>
+          <a:bodyPr rtlCol="0" anchor="ctr"/>
+          <a:lstStyle/>
+          <a:p>
+            <a:pPr algn="ctr"/>
+            <a:r>
+              <a:rPr lang="en-US" dirty="0"/>
+              <a:t>Response 02</a:t>
+            </a:r>
+          </a:p>
+          <a:p>
+            <a:pPr algn="ctr"/>
+            <a:r>
+              <a:rPr lang="en-US" dirty="0"/>
+              <a:t>John Smith</a:t>
+            </a:r>
+          </a:p>
+        </p:txBody>
+      </p:sp>
+      <p:cxnSp>
+        <p:nvCxnSpPr>
+          <p:cNvPr id="13" name="Elbow Connector 12">
+            <a:extLst>
+              <a:ext uri="{FF2B5EF4-FFF2-40B4-BE49-F238E27FC236}">
+                <a16:creationId xmlns:a16="http://schemas.microsoft.com/office/drawing/2014/main" id="{44BAB77F-E4D0-3146-89E1-365582A89369}"/>
+              </a:ext>
+            </a:extLst>
+          </p:cNvPr>
+          <p:cNvCxnSpPr>
+            <a:stCxn id="5" idx="3"/>
+            <a:endCxn id="3" idx="1"/>
+          </p:cNvCxnSpPr>
+          <p:nvPr/>
+        </p:nvCxnSpPr>
+        <p:spPr>
+          <a:xfrm flipV="1">
+            <a:off x="3899044" y="1383586"/>
+            <a:ext cx="734603" cy="924674"/>
+          </a:xfrm>
+          <a:prstGeom prst="bentConnector3">
+            <a:avLst/>
+          </a:prstGeom>
+          <a:ln>
+            <a:tailEnd type="triangle"/>
+          </a:ln>
+        </p:spPr>
+        <p:style>
+          <a:lnRef idx="1">
+            <a:schemeClr val="accent1"/>
+          </a:lnRef>
+          <a:fillRef idx="0">
+            <a:schemeClr val="accent1"/>
+          </a:fillRef>
+          <a:effectRef idx="0">
+            <a:schemeClr val="accent1"/>
+          </a:effectRef>
+          <a:fontRef idx="minor">
+            <a:schemeClr val="tx1"/>
+          </a:fontRef>
+        </p:style>
+      </p:cxnSp>
+      <p:cxnSp>
+        <p:nvCxnSpPr>
+          <p:cNvPr id="17" name="Elbow Connector 16">
+            <a:extLst>
+              <a:ext uri="{FF2B5EF4-FFF2-40B4-BE49-F238E27FC236}">
+                <a16:creationId xmlns:a16="http://schemas.microsoft.com/office/drawing/2014/main" id="{D2686D94-851A-F642-82A4-845DEC4D088C}"/>
+              </a:ext>
+            </a:extLst>
+          </p:cNvPr>
+          <p:cNvCxnSpPr>
+            <a:stCxn id="5" idx="3"/>
+            <a:endCxn id="11" idx="1"/>
+          </p:cNvCxnSpPr>
+          <p:nvPr/>
+        </p:nvCxnSpPr>
+        <p:spPr>
+          <a:xfrm>
+            <a:off x="3899044" y="2308260"/>
+            <a:ext cx="734603" cy="924674"/>
+          </a:xfrm>
+          <a:prstGeom prst="bentConnector3">
+            <a:avLst/>
+          </a:prstGeom>
+          <a:ln>
+            <a:tailEnd type="triangle"/>
+          </a:ln>
+        </p:spPr>
+        <p:style>
+          <a:lnRef idx="1">
+            <a:schemeClr val="accent1"/>
+          </a:lnRef>
+          <a:fillRef idx="0">
+            <a:schemeClr val="accent1"/>
+          </a:fillRef>
+          <a:effectRef idx="0">
+            <a:schemeClr val="accent1"/>
+          </a:effectRef>
+          <a:fontRef idx="minor">
+            <a:schemeClr val="tx1"/>
+          </a:fontRef>
+        </p:style>
+      </p:cxnSp>
+      <p:sp>
+        <p:nvSpPr>
+          <p:cNvPr id="18" name="Rectangle 17">
+            <a:extLst>
+              <a:ext uri="{FF2B5EF4-FFF2-40B4-BE49-F238E27FC236}">
+                <a16:creationId xmlns:a16="http://schemas.microsoft.com/office/drawing/2014/main" id="{1D4D9E38-6D5C-1543-B24A-C41D1169B54C}"/>
+              </a:ext>
+            </a:extLst>
+          </p:cNvPr>
+          <p:cNvSpPr/>
+          <p:nvPr/>
+        </p:nvSpPr>
+        <p:spPr>
+          <a:xfrm>
+            <a:off x="6707612" y="921249"/>
+            <a:ext cx="1469205" cy="924674"/>
+          </a:xfrm>
+          <a:prstGeom prst="rect">
+            <a:avLst/>
+          </a:prstGeom>
+        </p:spPr>
+        <p:style>
+          <a:lnRef idx="2">
+            <a:schemeClr val="dk1"/>
+          </a:lnRef>
+          <a:fillRef idx="1">
+            <a:schemeClr val="lt1"/>
+          </a:fillRef>
+          <a:effectRef idx="0">
+            <a:schemeClr val="dk1"/>
+          </a:effectRef>
+          <a:fontRef idx="minor">
+            <a:schemeClr val="dk1"/>
+          </a:fontRef>
+        </p:style>
+        <p:txBody>
+          <a:bodyPr rtlCol="0" anchor="ctr"/>
+          <a:lstStyle/>
+          <a:p>
+            <a:pPr algn="ctr"/>
+            <a:r>
+              <a:rPr lang="en-US" dirty="0"/>
+              <a:t>DETECT Screen</a:t>
+            </a:r>
+          </a:p>
+          <a:p>
+            <a:pPr algn="ctr"/>
+            <a:r>
+              <a:rPr lang="en-US" dirty="0"/>
+              <a:t>Mary Smith</a:t>
+            </a:r>
+          </a:p>
+        </p:txBody>
+      </p:sp>
+      <p:sp>
+        <p:nvSpPr>
+          <p:cNvPr id="19" name="Rectangle 18">
+            <a:extLst>
+              <a:ext uri="{FF2B5EF4-FFF2-40B4-BE49-F238E27FC236}">
+                <a16:creationId xmlns:a16="http://schemas.microsoft.com/office/drawing/2014/main" id="{EAE16655-E5B7-3648-9557-47FB72E13404}"/>
+              </a:ext>
+            </a:extLst>
+          </p:cNvPr>
+          <p:cNvSpPr/>
+          <p:nvPr/>
+        </p:nvSpPr>
+        <p:spPr>
+          <a:xfrm>
+            <a:off x="6707612" y="2770597"/>
+            <a:ext cx="1469205" cy="924674"/>
+          </a:xfrm>
+          <a:prstGeom prst="rect">
+            <a:avLst/>
+          </a:prstGeom>
+        </p:spPr>
+        <p:style>
+          <a:lnRef idx="2">
+            <a:schemeClr val="dk1"/>
+          </a:lnRef>
+          <a:fillRef idx="1">
+            <a:schemeClr val="lt1"/>
+          </a:fillRef>
+          <a:effectRef idx="0">
+            <a:schemeClr val="dk1"/>
+          </a:effectRef>
+          <a:fontRef idx="minor">
+            <a:schemeClr val="dk1"/>
+          </a:fontRef>
+        </p:style>
+        <p:txBody>
+          <a:bodyPr rtlCol="0" anchor="ctr"/>
+          <a:lstStyle/>
+          <a:p>
+            <a:pPr algn="ctr"/>
+            <a:r>
+              <a:rPr lang="en-US" dirty="0"/>
+              <a:t>DETECT Screen</a:t>
+            </a:r>
+          </a:p>
+          <a:p>
+            <a:pPr algn="ctr"/>
+            <a:r>
+              <a:rPr lang="en-US" dirty="0"/>
+              <a:t>John Smith</a:t>
+            </a:r>
+          </a:p>
+        </p:txBody>
+      </p:sp>
+      <p:cxnSp>
+        <p:nvCxnSpPr>
+          <p:cNvPr id="21" name="Straight Arrow Connector 20">
+            <a:extLst>
+              <a:ext uri="{FF2B5EF4-FFF2-40B4-BE49-F238E27FC236}">
+                <a16:creationId xmlns:a16="http://schemas.microsoft.com/office/drawing/2014/main" id="{EC382C02-B1C8-6946-8C3D-14E6FAA020C1}"/>
+              </a:ext>
+            </a:extLst>
+          </p:cNvPr>
+          <p:cNvCxnSpPr>
+            <a:stCxn id="3" idx="3"/>
+            <a:endCxn id="18" idx="1"/>
+          </p:cNvCxnSpPr>
+          <p:nvPr/>
+        </p:nvCxnSpPr>
+        <p:spPr>
+          <a:xfrm>
+            <a:off x="6102852" y="1383586"/>
+            <a:ext cx="604760" cy="0"/>
+          </a:xfrm>
+          <a:prstGeom prst="straightConnector1">
+            <a:avLst/>
+          </a:prstGeom>
+          <a:ln>
+            <a:tailEnd type="triangle"/>
+          </a:ln>
+        </p:spPr>
+        <p:style>
+          <a:lnRef idx="1">
+            <a:schemeClr val="accent1"/>
+          </a:lnRef>
+          <a:fillRef idx="0">
+            <a:schemeClr val="accent1"/>
+          </a:fillRef>
+          <a:effectRef idx="0">
+            <a:schemeClr val="accent1"/>
+          </a:effectRef>
+          <a:fontRef idx="minor">
+            <a:schemeClr val="tx1"/>
+          </a:fontRef>
+        </p:style>
+      </p:cxnSp>
+      <p:cxnSp>
+        <p:nvCxnSpPr>
+          <p:cNvPr id="23" name="Straight Arrow Connector 22">
+            <a:extLst>
+              <a:ext uri="{FF2B5EF4-FFF2-40B4-BE49-F238E27FC236}">
+                <a16:creationId xmlns:a16="http://schemas.microsoft.com/office/drawing/2014/main" id="{80B7F7AF-A37A-3542-A71B-036998C99973}"/>
+              </a:ext>
+            </a:extLst>
+          </p:cNvPr>
+          <p:cNvCxnSpPr>
+            <a:stCxn id="11" idx="3"/>
+            <a:endCxn id="19" idx="1"/>
+          </p:cNvCxnSpPr>
+          <p:nvPr/>
+        </p:nvCxnSpPr>
+        <p:spPr>
+          <a:xfrm>
+            <a:off x="6102852" y="3232934"/>
+            <a:ext cx="604760" cy="0"/>
+          </a:xfrm>
+          <a:prstGeom prst="straightConnector1">
+            <a:avLst/>
+          </a:prstGeom>
+          <a:ln>
+            <a:tailEnd type="triangle"/>
+          </a:ln>
+        </p:spPr>
+        <p:style>
+          <a:lnRef idx="1">
+            <a:schemeClr val="accent1"/>
+          </a:lnRef>
+          <a:fillRef idx="0">
+            <a:schemeClr val="accent1"/>
+          </a:fillRef>
+          <a:effectRef idx="0">
+            <a:schemeClr val="accent1"/>
+          </a:effectRef>
+          <a:fontRef idx="minor">
+            <a:schemeClr val="tx1"/>
+          </a:fontRef>
+        </p:style>
+      </p:cxnSp>
+    </p:spTree>
+    <p:extLst>
+      <p:ext uri="{BB962C8B-B14F-4D97-AF65-F5344CB8AC3E}">
+        <p14:creationId xmlns:p14="http://schemas.microsoft.com/office/powerpoint/2010/main" val="3959532915"/>
       </p:ext>
     </p:extLst>
   </p:cSld>

--- a/images/detect_pilot_graphics.pptx
+++ b/images/detect_pilot_graphics.pptx
@@ -5,12 +5,13 @@
     <p:sldMasterId id="2147483648" r:id="rId1"/>
   </p:sldMasterIdLst>
   <p:notesMasterIdLst>
-    <p:notesMasterId r:id="rId5"/>
+    <p:notesMasterId r:id="rId6"/>
   </p:notesMasterIdLst>
   <p:sldIdLst>
     <p:sldId id="256" r:id="rId2"/>
     <p:sldId id="258" r:id="rId3"/>
     <p:sldId id="259" r:id="rId4"/>
+    <p:sldId id="260" r:id="rId5"/>
   </p:sldIdLst>
   <p:sldSz cx="12192000" cy="6858000"/>
   <p:notesSz cx="6858000" cy="9144000"/>
@@ -199,7 +200,7 @@
           <a:p>
             <a:fld id="{100C7322-DBA3-BF43-82FB-6F78055E2C71}" type="datetimeFigureOut">
               <a:rPr lang="en-US" smtClean="0"/>
-              <a:t>3/16/18</a:t>
+              <a:t>3/17/18</a:t>
             </a:fld>
             <a:endParaRPr lang="en-US"/>
           </a:p>
@@ -598,114 +599,6 @@
               <a:buFont typeface="Arial" panose="020B0604020202020204" pitchFamily="34" charset="0"/>
               <a:buChar char="•"/>
             </a:pPr>
-            <a:r>
-              <a:rPr lang="en-US" dirty="0"/>
-              <a:t>Incident ID is not in the data</a:t>
-            </a:r>
-          </a:p>
-          <a:p>
-            <a:pPr marL="171450" indent="-171450">
-              <a:buFont typeface="Arial" panose="020B0604020202020204" pitchFamily="34" charset="0"/>
-              <a:buChar char="•"/>
-            </a:pPr>
-            <a:r>
-              <a:rPr lang="en-US" dirty="0"/>
-              <a:t>Response number</a:t>
-            </a:r>
-          </a:p>
-          <a:p>
-            <a:pPr marL="628650" lvl="1" indent="-171450">
-              <a:buFont typeface="Arial" panose="020B0604020202020204" pitchFamily="34" charset="0"/>
-              <a:buChar char="•"/>
-            </a:pPr>
-            <a:r>
-              <a:rPr lang="en-US" dirty="0" err="1"/>
-              <a:t>ymd</a:t>
-            </a:r>
-            <a:r>
-              <a:rPr lang="en-US" dirty="0"/>
-              <a:t>###</a:t>
-            </a:r>
-          </a:p>
-          <a:p>
-            <a:pPr marL="628650" lvl="1" indent="-171450">
-              <a:buFont typeface="Arial" panose="020B0604020202020204" pitchFamily="34" charset="0"/>
-              <a:buChar char="•"/>
-            </a:pPr>
-            <a:r>
-              <a:rPr lang="en-US" dirty="0"/>
-              <a:t>Each response number is associated with a single person</a:t>
-            </a:r>
-          </a:p>
-          <a:p>
-            <a:pPr marL="628650" lvl="1" indent="-171450">
-              <a:buFont typeface="Arial" panose="020B0604020202020204" pitchFamily="34" charset="0"/>
-              <a:buChar char="•"/>
-            </a:pPr>
-            <a:r>
-              <a:rPr lang="en-US" dirty="0"/>
-              <a:t>A person who was treated by </a:t>
-            </a:r>
-            <a:r>
-              <a:rPr lang="en-US" dirty="0" err="1"/>
-              <a:t>MedStar</a:t>
-            </a:r>
-            <a:r>
-              <a:rPr lang="en-US" dirty="0"/>
-              <a:t> multiple times will have multiple response numbers. Therefore, response number does not necessarily uniquely identify a person.</a:t>
-            </a:r>
-          </a:p>
-          <a:p>
-            <a:pPr marL="628650" lvl="1" indent="-171450">
-              <a:buFont typeface="Arial" panose="020B0604020202020204" pitchFamily="34" charset="0"/>
-              <a:buChar char="•"/>
-            </a:pPr>
-            <a:r>
-              <a:rPr lang="en-US" dirty="0"/>
-              <a:t>Response number does uniquely identify a person/incident combination</a:t>
-            </a:r>
-          </a:p>
-          <a:p>
-            <a:pPr marL="628650" lvl="1" indent="-171450">
-              <a:buFont typeface="Arial" panose="020B0604020202020204" pitchFamily="34" charset="0"/>
-              <a:buChar char="•"/>
-            </a:pPr>
-            <a:r>
-              <a:rPr lang="en-US" dirty="0"/>
-              <a:t>There cannot be more than one DETECT screening input into the </a:t>
-            </a:r>
-            <a:r>
-              <a:rPr lang="en-US" dirty="0" err="1"/>
-              <a:t>ePCR</a:t>
-            </a:r>
-            <a:r>
-              <a:rPr lang="en-US" dirty="0"/>
-              <a:t> for a given person/incident (response number)</a:t>
-            </a:r>
-          </a:p>
-          <a:p>
-            <a:pPr marL="628650" lvl="1" indent="-171450">
-              <a:buFont typeface="Arial" panose="020B0604020202020204" pitchFamily="34" charset="0"/>
-              <a:buChar char="•"/>
-            </a:pPr>
-            <a:r>
-              <a:rPr lang="en-US" dirty="0"/>
-              <a:t>Therefore response number should uniquely identify a DETECT screening.</a:t>
-            </a:r>
-          </a:p>
-          <a:p>
-            <a:pPr marL="628650" lvl="1" indent="-171450">
-              <a:buFont typeface="Arial" panose="020B0604020202020204" pitchFamily="34" charset="0"/>
-              <a:buChar char="•"/>
-            </a:pPr>
-            <a:r>
-              <a:rPr lang="en-US" dirty="0"/>
-              <a:t>Check for multiple rows with the </a:t>
-            </a:r>
-            <a:r>
-              <a:rPr lang="en-US"/>
-              <a:t>same response number.</a:t>
-            </a:r>
             <a:endParaRPr lang="en-US" dirty="0"/>
           </a:p>
         </p:txBody>
@@ -737,6 +630,104 @@
     <p:extLst>
       <p:ext uri="{BB962C8B-B14F-4D97-AF65-F5344CB8AC3E}">
         <p14:creationId xmlns:p14="http://schemas.microsoft.com/office/powerpoint/2010/main" val="4279429254"/>
+      </p:ext>
+    </p:extLst>
+  </p:cSld>
+  <p:clrMapOvr>
+    <a:masterClrMapping/>
+  </p:clrMapOvr>
+</p:notes>
+</file>
+
+<file path=ppt/notesSlides/notesSlide3.xml><?xml version="1.0" encoding="utf-8"?>
+<p:notes xmlns:a="http://schemas.openxmlformats.org/drawingml/2006/main" xmlns:r="http://schemas.openxmlformats.org/officeDocument/2006/relationships" xmlns:p="http://schemas.openxmlformats.org/presentationml/2006/main">
+  <p:cSld>
+    <p:spTree>
+      <p:nvGrpSpPr>
+        <p:cNvPr id="1" name=""/>
+        <p:cNvGrpSpPr/>
+        <p:nvPr/>
+      </p:nvGrpSpPr>
+      <p:grpSpPr>
+        <a:xfrm>
+          <a:off x="0" y="0"/>
+          <a:ext cx="0" cy="0"/>
+          <a:chOff x="0" y="0"/>
+          <a:chExt cx="0" cy="0"/>
+        </a:xfrm>
+      </p:grpSpPr>
+      <p:sp>
+        <p:nvSpPr>
+          <p:cNvPr id="2" name="Slide Image Placeholder 1"/>
+          <p:cNvSpPr>
+            <a:spLocks noGrp="1" noRot="1" noChangeAspect="1"/>
+          </p:cNvSpPr>
+          <p:nvPr>
+            <p:ph type="sldImg"/>
+          </p:nvPr>
+        </p:nvSpPr>
+        <p:spPr/>
+      </p:sp>
+      <p:sp>
+        <p:nvSpPr>
+          <p:cNvPr id="3" name="Notes Placeholder 2"/>
+          <p:cNvSpPr>
+            <a:spLocks noGrp="1"/>
+          </p:cNvSpPr>
+          <p:nvPr>
+            <p:ph type="body" idx="1"/>
+          </p:nvPr>
+        </p:nvSpPr>
+        <p:spPr/>
+        <p:txBody>
+          <a:bodyPr/>
+          <a:lstStyle/>
+          <a:p>
+            <a:pPr marL="171450" indent="-171450">
+              <a:buFont typeface="Arial" panose="020B0604020202020204" pitchFamily="34" charset="0"/>
+              <a:buChar char="•"/>
+            </a:pPr>
+            <a:r>
+              <a:rPr lang="en-US" dirty="0"/>
+              <a:t>APS Response</a:t>
+            </a:r>
+          </a:p>
+          <a:p>
+            <a:pPr marL="171450" indent="-171450">
+              <a:buFont typeface="Arial" panose="020B0604020202020204" pitchFamily="34" charset="0"/>
+              <a:buChar char="•"/>
+            </a:pPr>
+            <a:endParaRPr lang="en-US" dirty="0"/>
+          </a:p>
+        </p:txBody>
+      </p:sp>
+      <p:sp>
+        <p:nvSpPr>
+          <p:cNvPr id="4" name="Slide Number Placeholder 3"/>
+          <p:cNvSpPr>
+            <a:spLocks noGrp="1"/>
+          </p:cNvSpPr>
+          <p:nvPr>
+            <p:ph type="sldNum" sz="quarter" idx="10"/>
+          </p:nvPr>
+        </p:nvSpPr>
+        <p:spPr/>
+        <p:txBody>
+          <a:bodyPr/>
+          <a:lstStyle/>
+          <a:p>
+            <a:fld id="{36CF411A-600F-FC49-9C41-9076F6F2B99C}" type="slidenum">
+              <a:rPr lang="en-US" smtClean="0"/>
+              <a:t>4</a:t>
+            </a:fld>
+            <a:endParaRPr lang="en-US"/>
+          </a:p>
+        </p:txBody>
+      </p:sp>
+    </p:spTree>
+    <p:extLst>
+      <p:ext uri="{BB962C8B-B14F-4D97-AF65-F5344CB8AC3E}">
+        <p14:creationId xmlns:p14="http://schemas.microsoft.com/office/powerpoint/2010/main" val="3967404216"/>
       </p:ext>
     </p:extLst>
   </p:cSld>
@@ -893,7 +884,7 @@
           <a:p>
             <a:fld id="{D4835627-BE63-6D44-A8D4-6AB599939C0A}" type="datetimeFigureOut">
               <a:rPr lang="en-US" smtClean="0"/>
-              <a:t>3/16/18</a:t>
+              <a:t>3/17/18</a:t>
             </a:fld>
             <a:endParaRPr lang="en-US"/>
           </a:p>
@@ -1091,7 +1082,7 @@
           <a:p>
             <a:fld id="{D4835627-BE63-6D44-A8D4-6AB599939C0A}" type="datetimeFigureOut">
               <a:rPr lang="en-US" smtClean="0"/>
-              <a:t>3/16/18</a:t>
+              <a:t>3/17/18</a:t>
             </a:fld>
             <a:endParaRPr lang="en-US"/>
           </a:p>
@@ -1299,7 +1290,7 @@
           <a:p>
             <a:fld id="{D4835627-BE63-6D44-A8D4-6AB599939C0A}" type="datetimeFigureOut">
               <a:rPr lang="en-US" smtClean="0"/>
-              <a:t>3/16/18</a:t>
+              <a:t>3/17/18</a:t>
             </a:fld>
             <a:endParaRPr lang="en-US"/>
           </a:p>
@@ -1497,7 +1488,7 @@
           <a:p>
             <a:fld id="{D4835627-BE63-6D44-A8D4-6AB599939C0A}" type="datetimeFigureOut">
               <a:rPr lang="en-US" smtClean="0"/>
-              <a:t>3/16/18</a:t>
+              <a:t>3/17/18</a:t>
             </a:fld>
             <a:endParaRPr lang="en-US"/>
           </a:p>
@@ -1772,7 +1763,7 @@
           <a:p>
             <a:fld id="{D4835627-BE63-6D44-A8D4-6AB599939C0A}" type="datetimeFigureOut">
               <a:rPr lang="en-US" smtClean="0"/>
-              <a:t>3/16/18</a:t>
+              <a:t>3/17/18</a:t>
             </a:fld>
             <a:endParaRPr lang="en-US"/>
           </a:p>
@@ -2037,7 +2028,7 @@
           <a:p>
             <a:fld id="{D4835627-BE63-6D44-A8D4-6AB599939C0A}" type="datetimeFigureOut">
               <a:rPr lang="en-US" smtClean="0"/>
-              <a:t>3/16/18</a:t>
+              <a:t>3/17/18</a:t>
             </a:fld>
             <a:endParaRPr lang="en-US"/>
           </a:p>
@@ -2449,7 +2440,7 @@
           <a:p>
             <a:fld id="{D4835627-BE63-6D44-A8D4-6AB599939C0A}" type="datetimeFigureOut">
               <a:rPr lang="en-US" smtClean="0"/>
-              <a:t>3/16/18</a:t>
+              <a:t>3/17/18</a:t>
             </a:fld>
             <a:endParaRPr lang="en-US"/>
           </a:p>
@@ -2590,7 +2581,7 @@
           <a:p>
             <a:fld id="{D4835627-BE63-6D44-A8D4-6AB599939C0A}" type="datetimeFigureOut">
               <a:rPr lang="en-US" smtClean="0"/>
-              <a:t>3/16/18</a:t>
+              <a:t>3/17/18</a:t>
             </a:fld>
             <a:endParaRPr lang="en-US"/>
           </a:p>
@@ -2703,7 +2694,7 @@
           <a:p>
             <a:fld id="{D4835627-BE63-6D44-A8D4-6AB599939C0A}" type="datetimeFigureOut">
               <a:rPr lang="en-US" smtClean="0"/>
-              <a:t>3/16/18</a:t>
+              <a:t>3/17/18</a:t>
             </a:fld>
             <a:endParaRPr lang="en-US"/>
           </a:p>
@@ -3014,7 +3005,7 @@
           <a:p>
             <a:fld id="{D4835627-BE63-6D44-A8D4-6AB599939C0A}" type="datetimeFigureOut">
               <a:rPr lang="en-US" smtClean="0"/>
-              <a:t>3/16/18</a:t>
+              <a:t>3/17/18</a:t>
             </a:fld>
             <a:endParaRPr lang="en-US"/>
           </a:p>
@@ -3302,7 +3293,7 @@
           <a:p>
             <a:fld id="{D4835627-BE63-6D44-A8D4-6AB599939C0A}" type="datetimeFigureOut">
               <a:rPr lang="en-US" smtClean="0"/>
-              <a:t>3/16/18</a:t>
+              <a:t>3/17/18</a:t>
             </a:fld>
             <a:endParaRPr lang="en-US"/>
           </a:p>
@@ -3543,7 +3534,7 @@
           <a:p>
             <a:fld id="{D4835627-BE63-6D44-A8D4-6AB599939C0A}" type="datetimeFigureOut">
               <a:rPr lang="en-US" smtClean="0"/>
-              <a:t>3/16/18</a:t>
+              <a:t>3/17/18</a:t>
             </a:fld>
             <a:endParaRPr lang="en-US"/>
           </a:p>
@@ -4844,658 +4835,1273 @@
           <a:chExt cx="0" cy="0"/>
         </a:xfrm>
       </p:grpSpPr>
-      <p:sp>
-        <p:nvSpPr>
-          <p:cNvPr id="2" name="TextBox 1">
-            <a:extLst>
-              <a:ext uri="{FF2B5EF4-FFF2-40B4-BE49-F238E27FC236}">
-                <a16:creationId xmlns:a16="http://schemas.microsoft.com/office/drawing/2014/main" id="{B3E35D0C-F7CD-0F43-828D-5A2D70017160}"/>
-              </a:ext>
-            </a:extLst>
-          </p:cNvPr>
-          <p:cNvSpPr txBox="1"/>
+      <p:grpSp>
+        <p:nvGrpSpPr>
+          <p:cNvPr id="74" name="Group 73">
+            <a:extLst>
+              <a:ext uri="{FF2B5EF4-FFF2-40B4-BE49-F238E27FC236}">
+                <a16:creationId xmlns:a16="http://schemas.microsoft.com/office/drawing/2014/main" id="{3D98B498-29D7-6D48-8CBB-45F45CC6C9BA}"/>
+              </a:ext>
+            </a:extLst>
+          </p:cNvPr>
+          <p:cNvGrpSpPr/>
           <p:nvPr/>
-        </p:nvSpPr>
-        <p:spPr>
+        </p:nvGrpSpPr>
+        <p:grpSpPr>
           <a:xfrm>
-            <a:off x="226031" y="113016"/>
-            <a:ext cx="2527443" cy="369332"/>
+            <a:off x="196951" y="319663"/>
+            <a:ext cx="11798098" cy="6134032"/>
+            <a:chOff x="117416" y="717556"/>
+            <a:chExt cx="10585166" cy="5503408"/>
           </a:xfrm>
-          <a:prstGeom prst="rect">
-            <a:avLst/>
-          </a:prstGeom>
-          <a:noFill/>
-        </p:spPr>
-        <p:txBody>
-          <a:bodyPr wrap="square" rtlCol="0">
-            <a:spAutoFit/>
-          </a:bodyPr>
-          <a:lstStyle/>
-          <a:p>
-            <a:r>
-              <a:rPr lang="en-US" dirty="0" err="1"/>
-              <a:t>MedStar</a:t>
-            </a:r>
-            <a:r>
-              <a:rPr lang="en-US" dirty="0"/>
-              <a:t> DETECT Data</a:t>
-            </a:r>
-          </a:p>
-        </p:txBody>
-      </p:sp>
-      <p:sp>
-        <p:nvSpPr>
-          <p:cNvPr id="3" name="Rectangle 2">
-            <a:extLst>
-              <a:ext uri="{FF2B5EF4-FFF2-40B4-BE49-F238E27FC236}">
-                <a16:creationId xmlns:a16="http://schemas.microsoft.com/office/drawing/2014/main" id="{CC0A54E9-EBE4-394E-AC3E-DF0C43744EB2}"/>
-              </a:ext>
-            </a:extLst>
-          </p:cNvPr>
-          <p:cNvSpPr/>
-          <p:nvPr/>
-        </p:nvSpPr>
-        <p:spPr>
-          <a:xfrm>
-            <a:off x="4633647" y="921249"/>
-            <a:ext cx="1469205" cy="924674"/>
-          </a:xfrm>
-          <a:prstGeom prst="rect">
-            <a:avLst/>
-          </a:prstGeom>
-        </p:spPr>
-        <p:style>
-          <a:lnRef idx="2">
-            <a:schemeClr val="dk1"/>
-          </a:lnRef>
-          <a:fillRef idx="1">
-            <a:schemeClr val="lt1"/>
-          </a:fillRef>
-          <a:effectRef idx="0">
-            <a:schemeClr val="dk1"/>
-          </a:effectRef>
-          <a:fontRef idx="minor">
-            <a:schemeClr val="dk1"/>
-          </a:fontRef>
-        </p:style>
-        <p:txBody>
-          <a:bodyPr rtlCol="0" anchor="ctr"/>
-          <a:lstStyle/>
-          <a:p>
-            <a:pPr algn="ctr"/>
-            <a:r>
-              <a:rPr lang="en-US" dirty="0"/>
-              <a:t>Response 01</a:t>
-            </a:r>
-          </a:p>
-          <a:p>
-            <a:pPr algn="ctr"/>
-            <a:r>
-              <a:rPr lang="en-US" dirty="0"/>
-              <a:t>Mary Smith</a:t>
-            </a:r>
-          </a:p>
-        </p:txBody>
-      </p:sp>
-      <p:sp>
-        <p:nvSpPr>
-          <p:cNvPr id="4" name="Rectangle 3">
-            <a:extLst>
-              <a:ext uri="{FF2B5EF4-FFF2-40B4-BE49-F238E27FC236}">
-                <a16:creationId xmlns:a16="http://schemas.microsoft.com/office/drawing/2014/main" id="{8670074E-19EB-8444-B966-96CA64E086FA}"/>
-              </a:ext>
-            </a:extLst>
-          </p:cNvPr>
-          <p:cNvSpPr/>
-          <p:nvPr/>
-        </p:nvSpPr>
-        <p:spPr>
-          <a:xfrm>
-            <a:off x="226031" y="563367"/>
-            <a:ext cx="1469205" cy="924674"/>
-          </a:xfrm>
-          <a:prstGeom prst="rect">
-            <a:avLst/>
-          </a:prstGeom>
-        </p:spPr>
-        <p:style>
-          <a:lnRef idx="2">
-            <a:schemeClr val="dk1"/>
-          </a:lnRef>
-          <a:fillRef idx="1">
-            <a:schemeClr val="lt1"/>
-          </a:fillRef>
-          <a:effectRef idx="0">
-            <a:schemeClr val="dk1"/>
-          </a:effectRef>
-          <a:fontRef idx="minor">
-            <a:schemeClr val="dk1"/>
-          </a:fontRef>
-        </p:style>
-        <p:txBody>
-          <a:bodyPr rtlCol="0" anchor="ctr"/>
-          <a:lstStyle/>
-          <a:p>
-            <a:pPr algn="ctr"/>
-            <a:r>
-              <a:rPr lang="en-US" dirty="0"/>
-              <a:t>911 Call</a:t>
-            </a:r>
-          </a:p>
-        </p:txBody>
-      </p:sp>
-      <p:sp>
-        <p:nvSpPr>
-          <p:cNvPr id="5" name="Rectangle 4">
-            <a:extLst>
-              <a:ext uri="{FF2B5EF4-FFF2-40B4-BE49-F238E27FC236}">
-                <a16:creationId xmlns:a16="http://schemas.microsoft.com/office/drawing/2014/main" id="{9AF81C9C-F727-0B49-AE42-06AB76B5C834}"/>
-              </a:ext>
-            </a:extLst>
-          </p:cNvPr>
-          <p:cNvSpPr/>
-          <p:nvPr/>
-        </p:nvSpPr>
-        <p:spPr>
-          <a:xfrm>
-            <a:off x="2429839" y="1845923"/>
-            <a:ext cx="1469205" cy="924674"/>
-          </a:xfrm>
-          <a:prstGeom prst="rect">
-            <a:avLst/>
-          </a:prstGeom>
-        </p:spPr>
-        <p:style>
-          <a:lnRef idx="2">
-            <a:schemeClr val="dk1"/>
-          </a:lnRef>
-          <a:fillRef idx="1">
-            <a:schemeClr val="lt1"/>
-          </a:fillRef>
-          <a:effectRef idx="0">
-            <a:schemeClr val="dk1"/>
-          </a:effectRef>
-          <a:fontRef idx="minor">
-            <a:schemeClr val="dk1"/>
-          </a:fontRef>
-        </p:style>
-        <p:txBody>
-          <a:bodyPr rtlCol="0" anchor="ctr"/>
-          <a:lstStyle/>
-          <a:p>
-            <a:pPr algn="ctr"/>
-            <a:r>
-              <a:rPr lang="en-US" dirty="0"/>
-              <a:t>Incident 001</a:t>
-            </a:r>
-          </a:p>
-        </p:txBody>
-      </p:sp>
-      <p:sp>
-        <p:nvSpPr>
-          <p:cNvPr id="6" name="Rectangle 5">
-            <a:extLst>
-              <a:ext uri="{FF2B5EF4-FFF2-40B4-BE49-F238E27FC236}">
-                <a16:creationId xmlns:a16="http://schemas.microsoft.com/office/drawing/2014/main" id="{BF7F0FBC-C12D-C848-9472-E09020D7BAB4}"/>
-              </a:ext>
-            </a:extLst>
-          </p:cNvPr>
-          <p:cNvSpPr/>
-          <p:nvPr/>
-        </p:nvSpPr>
-        <p:spPr>
-          <a:xfrm>
-            <a:off x="226031" y="1845923"/>
-            <a:ext cx="1469205" cy="924674"/>
-          </a:xfrm>
-          <a:prstGeom prst="rect">
-            <a:avLst/>
-          </a:prstGeom>
-        </p:spPr>
-        <p:style>
-          <a:lnRef idx="2">
-            <a:schemeClr val="dk1"/>
-          </a:lnRef>
-          <a:fillRef idx="1">
-            <a:schemeClr val="lt1"/>
-          </a:fillRef>
-          <a:effectRef idx="0">
-            <a:schemeClr val="dk1"/>
-          </a:effectRef>
-          <a:fontRef idx="minor">
-            <a:schemeClr val="dk1"/>
-          </a:fontRef>
-        </p:style>
-        <p:txBody>
-          <a:bodyPr rtlCol="0" anchor="ctr"/>
-          <a:lstStyle/>
-          <a:p>
-            <a:pPr algn="ctr"/>
-            <a:r>
-              <a:rPr lang="en-US" dirty="0"/>
-              <a:t>Ambulance 1</a:t>
-            </a:r>
-          </a:p>
-        </p:txBody>
-      </p:sp>
-      <p:cxnSp>
-        <p:nvCxnSpPr>
-          <p:cNvPr id="8" name="Straight Arrow Connector 7">
-            <a:extLst>
-              <a:ext uri="{FF2B5EF4-FFF2-40B4-BE49-F238E27FC236}">
-                <a16:creationId xmlns:a16="http://schemas.microsoft.com/office/drawing/2014/main" id="{ED12CF4A-C3EB-F947-AB79-718D81846B45}"/>
-              </a:ext>
-            </a:extLst>
-          </p:cNvPr>
-          <p:cNvCxnSpPr>
-            <a:stCxn id="4" idx="2"/>
-            <a:endCxn id="6" idx="0"/>
-          </p:cNvCxnSpPr>
-          <p:nvPr/>
-        </p:nvCxnSpPr>
-        <p:spPr>
-          <a:xfrm>
-            <a:off x="960634" y="1488041"/>
-            <a:ext cx="0" cy="357882"/>
-          </a:xfrm>
-          <a:prstGeom prst="straightConnector1">
-            <a:avLst/>
-          </a:prstGeom>
-          <a:ln>
-            <a:tailEnd type="triangle"/>
-          </a:ln>
-        </p:spPr>
-        <p:style>
-          <a:lnRef idx="1">
-            <a:schemeClr val="accent1"/>
-          </a:lnRef>
-          <a:fillRef idx="0">
-            <a:schemeClr val="accent1"/>
-          </a:fillRef>
-          <a:effectRef idx="0">
-            <a:schemeClr val="accent1"/>
-          </a:effectRef>
-          <a:fontRef idx="minor">
-            <a:schemeClr val="tx1"/>
-          </a:fontRef>
-        </p:style>
-      </p:cxnSp>
-      <p:cxnSp>
-        <p:nvCxnSpPr>
-          <p:cNvPr id="10" name="Straight Arrow Connector 9">
-            <a:extLst>
-              <a:ext uri="{FF2B5EF4-FFF2-40B4-BE49-F238E27FC236}">
-                <a16:creationId xmlns:a16="http://schemas.microsoft.com/office/drawing/2014/main" id="{2A7EC17F-58A4-124E-9D3C-6209AC4F38B3}"/>
-              </a:ext>
-            </a:extLst>
-          </p:cNvPr>
-          <p:cNvCxnSpPr>
-            <a:stCxn id="6" idx="3"/>
-            <a:endCxn id="5" idx="1"/>
-          </p:cNvCxnSpPr>
-          <p:nvPr/>
-        </p:nvCxnSpPr>
-        <p:spPr>
-          <a:xfrm>
-            <a:off x="1695236" y="2308260"/>
-            <a:ext cx="734603" cy="0"/>
-          </a:xfrm>
-          <a:prstGeom prst="straightConnector1">
-            <a:avLst/>
-          </a:prstGeom>
-          <a:ln>
-            <a:tailEnd type="triangle"/>
-          </a:ln>
-        </p:spPr>
-        <p:style>
-          <a:lnRef idx="1">
-            <a:schemeClr val="accent1"/>
-          </a:lnRef>
-          <a:fillRef idx="0">
-            <a:schemeClr val="accent1"/>
-          </a:fillRef>
-          <a:effectRef idx="0">
-            <a:schemeClr val="accent1"/>
-          </a:effectRef>
-          <a:fontRef idx="minor">
-            <a:schemeClr val="tx1"/>
-          </a:fontRef>
-        </p:style>
-      </p:cxnSp>
-      <p:sp>
-        <p:nvSpPr>
-          <p:cNvPr id="11" name="Rectangle 10">
-            <a:extLst>
-              <a:ext uri="{FF2B5EF4-FFF2-40B4-BE49-F238E27FC236}">
-                <a16:creationId xmlns:a16="http://schemas.microsoft.com/office/drawing/2014/main" id="{333C45C3-C085-4248-B373-684F2FB150AC}"/>
-              </a:ext>
-            </a:extLst>
-          </p:cNvPr>
-          <p:cNvSpPr/>
-          <p:nvPr/>
-        </p:nvSpPr>
-        <p:spPr>
-          <a:xfrm>
-            <a:off x="4633647" y="2770597"/>
-            <a:ext cx="1469205" cy="924674"/>
-          </a:xfrm>
-          <a:prstGeom prst="rect">
-            <a:avLst/>
-          </a:prstGeom>
-        </p:spPr>
-        <p:style>
-          <a:lnRef idx="2">
-            <a:schemeClr val="dk1"/>
-          </a:lnRef>
-          <a:fillRef idx="1">
-            <a:schemeClr val="lt1"/>
-          </a:fillRef>
-          <a:effectRef idx="0">
-            <a:schemeClr val="dk1"/>
-          </a:effectRef>
-          <a:fontRef idx="minor">
-            <a:schemeClr val="dk1"/>
-          </a:fontRef>
-        </p:style>
-        <p:txBody>
-          <a:bodyPr rtlCol="0" anchor="ctr"/>
-          <a:lstStyle/>
-          <a:p>
-            <a:pPr algn="ctr"/>
-            <a:r>
-              <a:rPr lang="en-US" dirty="0"/>
-              <a:t>Response 02</a:t>
-            </a:r>
-          </a:p>
-          <a:p>
-            <a:pPr algn="ctr"/>
-            <a:r>
-              <a:rPr lang="en-US" dirty="0"/>
-              <a:t>John Smith</a:t>
-            </a:r>
-          </a:p>
-        </p:txBody>
-      </p:sp>
-      <p:cxnSp>
-        <p:nvCxnSpPr>
-          <p:cNvPr id="13" name="Elbow Connector 12">
-            <a:extLst>
-              <a:ext uri="{FF2B5EF4-FFF2-40B4-BE49-F238E27FC236}">
-                <a16:creationId xmlns:a16="http://schemas.microsoft.com/office/drawing/2014/main" id="{44BAB77F-E4D0-3146-89E1-365582A89369}"/>
-              </a:ext>
-            </a:extLst>
-          </p:cNvPr>
-          <p:cNvCxnSpPr>
-            <a:stCxn id="5" idx="3"/>
-            <a:endCxn id="3" idx="1"/>
-          </p:cNvCxnSpPr>
-          <p:nvPr/>
-        </p:nvCxnSpPr>
-        <p:spPr>
-          <a:xfrm flipV="1">
-            <a:off x="3899044" y="1383586"/>
-            <a:ext cx="734603" cy="924674"/>
-          </a:xfrm>
-          <a:prstGeom prst="bentConnector3">
-            <a:avLst/>
-          </a:prstGeom>
-          <a:ln>
-            <a:tailEnd type="triangle"/>
-          </a:ln>
-        </p:spPr>
-        <p:style>
-          <a:lnRef idx="1">
-            <a:schemeClr val="accent1"/>
-          </a:lnRef>
-          <a:fillRef idx="0">
-            <a:schemeClr val="accent1"/>
-          </a:fillRef>
-          <a:effectRef idx="0">
-            <a:schemeClr val="accent1"/>
-          </a:effectRef>
-          <a:fontRef idx="minor">
-            <a:schemeClr val="tx1"/>
-          </a:fontRef>
-        </p:style>
-      </p:cxnSp>
-      <p:cxnSp>
-        <p:nvCxnSpPr>
-          <p:cNvPr id="17" name="Elbow Connector 16">
-            <a:extLst>
-              <a:ext uri="{FF2B5EF4-FFF2-40B4-BE49-F238E27FC236}">
-                <a16:creationId xmlns:a16="http://schemas.microsoft.com/office/drawing/2014/main" id="{D2686D94-851A-F642-82A4-845DEC4D088C}"/>
-              </a:ext>
-            </a:extLst>
-          </p:cNvPr>
-          <p:cNvCxnSpPr>
-            <a:stCxn id="5" idx="3"/>
-            <a:endCxn id="11" idx="1"/>
-          </p:cNvCxnSpPr>
-          <p:nvPr/>
-        </p:nvCxnSpPr>
-        <p:spPr>
-          <a:xfrm>
-            <a:off x="3899044" y="2308260"/>
-            <a:ext cx="734603" cy="924674"/>
-          </a:xfrm>
-          <a:prstGeom prst="bentConnector3">
-            <a:avLst/>
-          </a:prstGeom>
-          <a:ln>
-            <a:tailEnd type="triangle"/>
-          </a:ln>
-        </p:spPr>
-        <p:style>
-          <a:lnRef idx="1">
-            <a:schemeClr val="accent1"/>
-          </a:lnRef>
-          <a:fillRef idx="0">
-            <a:schemeClr val="accent1"/>
-          </a:fillRef>
-          <a:effectRef idx="0">
-            <a:schemeClr val="accent1"/>
-          </a:effectRef>
-          <a:fontRef idx="minor">
-            <a:schemeClr val="tx1"/>
-          </a:fontRef>
-        </p:style>
-      </p:cxnSp>
-      <p:sp>
-        <p:nvSpPr>
-          <p:cNvPr id="18" name="Rectangle 17">
-            <a:extLst>
-              <a:ext uri="{FF2B5EF4-FFF2-40B4-BE49-F238E27FC236}">
-                <a16:creationId xmlns:a16="http://schemas.microsoft.com/office/drawing/2014/main" id="{1D4D9E38-6D5C-1543-B24A-C41D1169B54C}"/>
-              </a:ext>
-            </a:extLst>
-          </p:cNvPr>
-          <p:cNvSpPr/>
-          <p:nvPr/>
-        </p:nvSpPr>
-        <p:spPr>
-          <a:xfrm>
-            <a:off x="6707612" y="921249"/>
-            <a:ext cx="1469205" cy="924674"/>
-          </a:xfrm>
-          <a:prstGeom prst="rect">
-            <a:avLst/>
-          </a:prstGeom>
-        </p:spPr>
-        <p:style>
-          <a:lnRef idx="2">
-            <a:schemeClr val="dk1"/>
-          </a:lnRef>
-          <a:fillRef idx="1">
-            <a:schemeClr val="lt1"/>
-          </a:fillRef>
-          <a:effectRef idx="0">
-            <a:schemeClr val="dk1"/>
-          </a:effectRef>
-          <a:fontRef idx="minor">
-            <a:schemeClr val="dk1"/>
-          </a:fontRef>
-        </p:style>
-        <p:txBody>
-          <a:bodyPr rtlCol="0" anchor="ctr"/>
-          <a:lstStyle/>
-          <a:p>
-            <a:pPr algn="ctr"/>
-            <a:r>
-              <a:rPr lang="en-US" dirty="0"/>
-              <a:t>DETECT Screen</a:t>
-            </a:r>
-          </a:p>
-          <a:p>
-            <a:pPr algn="ctr"/>
-            <a:r>
-              <a:rPr lang="en-US" dirty="0"/>
-              <a:t>Mary Smith</a:t>
-            </a:r>
-          </a:p>
-        </p:txBody>
-      </p:sp>
-      <p:sp>
-        <p:nvSpPr>
-          <p:cNvPr id="19" name="Rectangle 18">
-            <a:extLst>
-              <a:ext uri="{FF2B5EF4-FFF2-40B4-BE49-F238E27FC236}">
-                <a16:creationId xmlns:a16="http://schemas.microsoft.com/office/drawing/2014/main" id="{EAE16655-E5B7-3648-9557-47FB72E13404}"/>
-              </a:ext>
-            </a:extLst>
-          </p:cNvPr>
-          <p:cNvSpPr/>
-          <p:nvPr/>
-        </p:nvSpPr>
-        <p:spPr>
-          <a:xfrm>
-            <a:off x="6707612" y="2770597"/>
-            <a:ext cx="1469205" cy="924674"/>
-          </a:xfrm>
-          <a:prstGeom prst="rect">
-            <a:avLst/>
-          </a:prstGeom>
-        </p:spPr>
-        <p:style>
-          <a:lnRef idx="2">
-            <a:schemeClr val="dk1"/>
-          </a:lnRef>
-          <a:fillRef idx="1">
-            <a:schemeClr val="lt1"/>
-          </a:fillRef>
-          <a:effectRef idx="0">
-            <a:schemeClr val="dk1"/>
-          </a:effectRef>
-          <a:fontRef idx="minor">
-            <a:schemeClr val="dk1"/>
-          </a:fontRef>
-        </p:style>
-        <p:txBody>
-          <a:bodyPr rtlCol="0" anchor="ctr"/>
-          <a:lstStyle/>
-          <a:p>
-            <a:pPr algn="ctr"/>
-            <a:r>
-              <a:rPr lang="en-US" dirty="0"/>
-              <a:t>DETECT Screen</a:t>
-            </a:r>
-          </a:p>
-          <a:p>
-            <a:pPr algn="ctr"/>
-            <a:r>
-              <a:rPr lang="en-US" dirty="0"/>
-              <a:t>John Smith</a:t>
-            </a:r>
-          </a:p>
-        </p:txBody>
-      </p:sp>
-      <p:cxnSp>
-        <p:nvCxnSpPr>
-          <p:cNvPr id="21" name="Straight Arrow Connector 20">
-            <a:extLst>
-              <a:ext uri="{FF2B5EF4-FFF2-40B4-BE49-F238E27FC236}">
-                <a16:creationId xmlns:a16="http://schemas.microsoft.com/office/drawing/2014/main" id="{EC382C02-B1C8-6946-8C3D-14E6FAA020C1}"/>
-              </a:ext>
-            </a:extLst>
-          </p:cNvPr>
-          <p:cNvCxnSpPr>
-            <a:stCxn id="3" idx="3"/>
-            <a:endCxn id="18" idx="1"/>
-          </p:cNvCxnSpPr>
-          <p:nvPr/>
-        </p:nvCxnSpPr>
-        <p:spPr>
-          <a:xfrm>
-            <a:off x="6102852" y="1383586"/>
-            <a:ext cx="604760" cy="0"/>
-          </a:xfrm>
-          <a:prstGeom prst="straightConnector1">
-            <a:avLst/>
-          </a:prstGeom>
-          <a:ln>
-            <a:tailEnd type="triangle"/>
-          </a:ln>
-        </p:spPr>
-        <p:style>
-          <a:lnRef idx="1">
-            <a:schemeClr val="accent1"/>
-          </a:lnRef>
-          <a:fillRef idx="0">
-            <a:schemeClr val="accent1"/>
-          </a:fillRef>
-          <a:effectRef idx="0">
-            <a:schemeClr val="accent1"/>
-          </a:effectRef>
-          <a:fontRef idx="minor">
-            <a:schemeClr val="tx1"/>
-          </a:fontRef>
-        </p:style>
-      </p:cxnSp>
-      <p:cxnSp>
-        <p:nvCxnSpPr>
-          <p:cNvPr id="23" name="Straight Arrow Connector 22">
-            <a:extLst>
-              <a:ext uri="{FF2B5EF4-FFF2-40B4-BE49-F238E27FC236}">
-                <a16:creationId xmlns:a16="http://schemas.microsoft.com/office/drawing/2014/main" id="{80B7F7AF-A37A-3542-A71B-036998C99973}"/>
-              </a:ext>
-            </a:extLst>
-          </p:cNvPr>
-          <p:cNvCxnSpPr>
-            <a:stCxn id="11" idx="3"/>
-            <a:endCxn id="19" idx="1"/>
-          </p:cNvCxnSpPr>
-          <p:nvPr/>
-        </p:nvCxnSpPr>
-        <p:spPr>
-          <a:xfrm>
-            <a:off x="6102852" y="3232934"/>
-            <a:ext cx="604760" cy="0"/>
-          </a:xfrm>
-          <a:prstGeom prst="straightConnector1">
-            <a:avLst/>
-          </a:prstGeom>
-          <a:ln>
-            <a:tailEnd type="triangle"/>
-          </a:ln>
-        </p:spPr>
-        <p:style>
-          <a:lnRef idx="1">
-            <a:schemeClr val="accent1"/>
-          </a:lnRef>
-          <a:fillRef idx="0">
-            <a:schemeClr val="accent1"/>
-          </a:fillRef>
-          <a:effectRef idx="0">
-            <a:schemeClr val="accent1"/>
-          </a:effectRef>
-          <a:fontRef idx="minor">
-            <a:schemeClr val="tx1"/>
-          </a:fontRef>
-        </p:style>
-      </p:cxnSp>
+        </p:grpSpPr>
+        <p:grpSp>
+          <p:nvGrpSpPr>
+            <p:cNvPr id="58" name="Group 57">
+              <a:extLst>
+                <a:ext uri="{FF2B5EF4-FFF2-40B4-BE49-F238E27FC236}">
+                  <a16:creationId xmlns:a16="http://schemas.microsoft.com/office/drawing/2014/main" id="{E7E697E7-1DD6-1E4E-9678-8D7B7498BF9B}"/>
+                </a:ext>
+              </a:extLst>
+            </p:cNvPr>
+            <p:cNvGrpSpPr/>
+            <p:nvPr/>
+          </p:nvGrpSpPr>
+          <p:grpSpPr>
+            <a:xfrm>
+              <a:off x="135176" y="1766776"/>
+              <a:ext cx="1655971" cy="1654698"/>
+              <a:chOff x="135176" y="2641408"/>
+              <a:chExt cx="1655971" cy="1654698"/>
+            </a:xfrm>
+          </p:grpSpPr>
+          <p:sp>
+            <p:nvSpPr>
+              <p:cNvPr id="9" name="Rounded Rectangle 8">
+                <a:extLst>
+                  <a:ext uri="{FF2B5EF4-FFF2-40B4-BE49-F238E27FC236}">
+                    <a16:creationId xmlns:a16="http://schemas.microsoft.com/office/drawing/2014/main" id="{E33557E1-F3B8-CC42-975E-9187FEF9C29F}"/>
+                  </a:ext>
+                </a:extLst>
+              </p:cNvPr>
+              <p:cNvSpPr/>
+              <p:nvPr/>
+            </p:nvSpPr>
+            <p:spPr>
+              <a:xfrm>
+                <a:off x="135176" y="2641408"/>
+                <a:ext cx="1655971" cy="1654698"/>
+              </a:xfrm>
+              <a:prstGeom prst="roundRect">
+                <a:avLst/>
+              </a:prstGeom>
+            </p:spPr>
+            <p:style>
+              <a:lnRef idx="2">
+                <a:schemeClr val="dk1"/>
+              </a:lnRef>
+              <a:fillRef idx="1">
+                <a:schemeClr val="lt1"/>
+              </a:fillRef>
+              <a:effectRef idx="0">
+                <a:schemeClr val="dk1"/>
+              </a:effectRef>
+              <a:fontRef idx="minor">
+                <a:schemeClr val="dk1"/>
+              </a:fontRef>
+            </p:style>
+            <p:txBody>
+              <a:bodyPr rtlCol="0" anchor="ctr"/>
+              <a:lstStyle/>
+              <a:p>
+                <a:pPr algn="ctr"/>
+                <a:endParaRPr lang="en-US"/>
+              </a:p>
+            </p:txBody>
+          </p:sp>
+          <p:pic>
+            <p:nvPicPr>
+              <p:cNvPr id="8" name="Picture 7">
+                <a:extLst>
+                  <a:ext uri="{FF2B5EF4-FFF2-40B4-BE49-F238E27FC236}">
+                    <a16:creationId xmlns:a16="http://schemas.microsoft.com/office/drawing/2014/main" id="{EF2CEA02-EA6D-1A47-9CBE-75AD8CCA21D6}"/>
+                  </a:ext>
+                </a:extLst>
+              </p:cNvPr>
+              <p:cNvPicPr>
+                <a:picLocks noChangeAspect="1"/>
+              </p:cNvPicPr>
+              <p:nvPr/>
+            </p:nvPicPr>
+            <p:blipFill>
+              <a:blip r:embed="rId3"/>
+              <a:stretch>
+                <a:fillRect/>
+              </a:stretch>
+            </p:blipFill>
+            <p:spPr>
+              <a:xfrm>
+                <a:off x="322054" y="2739819"/>
+                <a:ext cx="1327017" cy="1486750"/>
+              </a:xfrm>
+              <a:prstGeom prst="rect">
+                <a:avLst/>
+              </a:prstGeom>
+            </p:spPr>
+          </p:pic>
+          <p:sp>
+            <p:nvSpPr>
+              <p:cNvPr id="4" name="Rectangle 3">
+                <a:extLst>
+                  <a:ext uri="{FF2B5EF4-FFF2-40B4-BE49-F238E27FC236}">
+                    <a16:creationId xmlns:a16="http://schemas.microsoft.com/office/drawing/2014/main" id="{8670074E-19EB-8444-B966-96CA64E086FA}"/>
+                  </a:ext>
+                </a:extLst>
+              </p:cNvPr>
+              <p:cNvSpPr/>
+              <p:nvPr/>
+            </p:nvSpPr>
+            <p:spPr>
+              <a:xfrm>
+                <a:off x="449545" y="3187231"/>
+                <a:ext cx="422177" cy="181672"/>
+              </a:xfrm>
+              <a:prstGeom prst="rect">
+                <a:avLst/>
+              </a:prstGeom>
+              <a:ln>
+                <a:noFill/>
+              </a:ln>
+            </p:spPr>
+            <p:style>
+              <a:lnRef idx="2">
+                <a:schemeClr val="dk1"/>
+              </a:lnRef>
+              <a:fillRef idx="1">
+                <a:schemeClr val="lt1"/>
+              </a:fillRef>
+              <a:effectRef idx="0">
+                <a:schemeClr val="dk1"/>
+              </a:effectRef>
+              <a:fontRef idx="minor">
+                <a:schemeClr val="dk1"/>
+              </a:fontRef>
+            </p:style>
+            <p:txBody>
+              <a:bodyPr rtlCol="0" anchor="ctr"/>
+              <a:lstStyle/>
+              <a:p>
+                <a:pPr algn="ctr"/>
+                <a:r>
+                  <a:rPr lang="en-US" sz="1200" dirty="0"/>
+                  <a:t>911</a:t>
+                </a:r>
+              </a:p>
+            </p:txBody>
+          </p:sp>
+        </p:grpSp>
+        <p:sp>
+          <p:nvSpPr>
+            <p:cNvPr id="15" name="TextBox 14">
+              <a:extLst>
+                <a:ext uri="{FF2B5EF4-FFF2-40B4-BE49-F238E27FC236}">
+                  <a16:creationId xmlns:a16="http://schemas.microsoft.com/office/drawing/2014/main" id="{FAD04D02-766F-D347-8FCD-64E7099B4BC7}"/>
+                </a:ext>
+              </a:extLst>
+            </p:cNvPr>
+            <p:cNvSpPr txBox="1"/>
+            <p:nvPr/>
+          </p:nvSpPr>
+          <p:spPr>
+            <a:xfrm>
+              <a:off x="117416" y="1361674"/>
+              <a:ext cx="1691489" cy="307777"/>
+            </a:xfrm>
+            <a:prstGeom prst="rect">
+              <a:avLst/>
+            </a:prstGeom>
+            <a:noFill/>
+          </p:spPr>
+          <p:txBody>
+            <a:bodyPr wrap="none" rtlCol="0">
+              <a:spAutoFit/>
+            </a:bodyPr>
+            <a:lstStyle/>
+            <a:p>
+              <a:pPr algn="ctr"/>
+              <a:r>
+                <a:rPr lang="en-US" sz="1400" dirty="0"/>
+                <a:t>1. A 911 Call is made</a:t>
+              </a:r>
+            </a:p>
+          </p:txBody>
+        </p:sp>
+        <p:grpSp>
+          <p:nvGrpSpPr>
+            <p:cNvPr id="59" name="Group 58">
+              <a:extLst>
+                <a:ext uri="{FF2B5EF4-FFF2-40B4-BE49-F238E27FC236}">
+                  <a16:creationId xmlns:a16="http://schemas.microsoft.com/office/drawing/2014/main" id="{148051B0-8F97-8F4F-8B7F-998FF9B4AA59}"/>
+                </a:ext>
+              </a:extLst>
+            </p:cNvPr>
+            <p:cNvGrpSpPr/>
+            <p:nvPr/>
+          </p:nvGrpSpPr>
+          <p:grpSpPr>
+            <a:xfrm>
+              <a:off x="2319490" y="1781213"/>
+              <a:ext cx="1655971" cy="1654698"/>
+              <a:chOff x="2319490" y="2655845"/>
+              <a:chExt cx="1655971" cy="1654698"/>
+            </a:xfrm>
+          </p:grpSpPr>
+          <p:sp>
+            <p:nvSpPr>
+              <p:cNvPr id="26" name="Rounded Rectangle 25">
+                <a:extLst>
+                  <a:ext uri="{FF2B5EF4-FFF2-40B4-BE49-F238E27FC236}">
+                    <a16:creationId xmlns:a16="http://schemas.microsoft.com/office/drawing/2014/main" id="{DD56DADE-58FB-0149-8438-632FDB8F87F0}"/>
+                  </a:ext>
+                </a:extLst>
+              </p:cNvPr>
+              <p:cNvSpPr/>
+              <p:nvPr/>
+            </p:nvSpPr>
+            <p:spPr>
+              <a:xfrm>
+                <a:off x="2319490" y="2655845"/>
+                <a:ext cx="1655971" cy="1654698"/>
+              </a:xfrm>
+              <a:prstGeom prst="roundRect">
+                <a:avLst/>
+              </a:prstGeom>
+            </p:spPr>
+            <p:style>
+              <a:lnRef idx="2">
+                <a:schemeClr val="dk1"/>
+              </a:lnRef>
+              <a:fillRef idx="1">
+                <a:schemeClr val="lt1"/>
+              </a:fillRef>
+              <a:effectRef idx="0">
+                <a:schemeClr val="dk1"/>
+              </a:effectRef>
+              <a:fontRef idx="minor">
+                <a:schemeClr val="dk1"/>
+              </a:fontRef>
+            </p:style>
+            <p:txBody>
+              <a:bodyPr rtlCol="0" anchor="ctr"/>
+              <a:lstStyle/>
+              <a:p>
+                <a:pPr algn="ctr"/>
+                <a:endParaRPr lang="en-US"/>
+              </a:p>
+            </p:txBody>
+          </p:sp>
+          <p:pic>
+            <p:nvPicPr>
+              <p:cNvPr id="16" name="Picture 15">
+                <a:extLst>
+                  <a:ext uri="{FF2B5EF4-FFF2-40B4-BE49-F238E27FC236}">
+                    <a16:creationId xmlns:a16="http://schemas.microsoft.com/office/drawing/2014/main" id="{47BBA70C-536E-B94C-933B-0E4D24902DEB}"/>
+                  </a:ext>
+                </a:extLst>
+              </p:cNvPr>
+              <p:cNvPicPr>
+                <a:picLocks noChangeAspect="1"/>
+              </p:cNvPicPr>
+              <p:nvPr/>
+            </p:nvPicPr>
+            <p:blipFill>
+              <a:blip r:embed="rId4"/>
+              <a:stretch>
+                <a:fillRect/>
+              </a:stretch>
+            </p:blipFill>
+            <p:spPr>
+              <a:xfrm>
+                <a:off x="2392716" y="3132770"/>
+                <a:ext cx="1509518" cy="700848"/>
+              </a:xfrm>
+              <a:prstGeom prst="rect">
+                <a:avLst/>
+              </a:prstGeom>
+            </p:spPr>
+          </p:pic>
+        </p:grpSp>
+        <p:sp>
+          <p:nvSpPr>
+            <p:cNvPr id="29" name="TextBox 28">
+              <a:extLst>
+                <a:ext uri="{FF2B5EF4-FFF2-40B4-BE49-F238E27FC236}">
+                  <a16:creationId xmlns:a16="http://schemas.microsoft.com/office/drawing/2014/main" id="{9ABB41AF-0D26-2C44-89AB-62AE4ADF7773}"/>
+                </a:ext>
+              </a:extLst>
+            </p:cNvPr>
+            <p:cNvSpPr txBox="1"/>
+            <p:nvPr/>
+          </p:nvSpPr>
+          <p:spPr>
+            <a:xfrm>
+              <a:off x="2307820" y="920519"/>
+              <a:ext cx="3700402" cy="662724"/>
+            </a:xfrm>
+            <a:prstGeom prst="rect">
+              <a:avLst/>
+            </a:prstGeom>
+            <a:noFill/>
+          </p:spPr>
+          <p:txBody>
+            <a:bodyPr wrap="square" rtlCol="0">
+              <a:spAutoFit/>
+            </a:bodyPr>
+            <a:lstStyle/>
+            <a:p>
+              <a:pPr algn="ctr"/>
+              <a:r>
+                <a:rPr lang="en-US" sz="1400" dirty="0"/>
+                <a:t>2. An ambulance is dispatched to the scene.</a:t>
+              </a:r>
+            </a:p>
+            <a:p>
+              <a:pPr algn="ctr"/>
+              <a:r>
+                <a:rPr lang="en-US" sz="1400" dirty="0"/>
+                <a:t>This is considered an incident and assigned and </a:t>
+              </a:r>
+              <a:r>
+                <a:rPr lang="en-US" sz="1400" b="1" dirty="0"/>
+                <a:t>incident/response number</a:t>
+              </a:r>
+              <a:r>
+                <a:rPr lang="en-US" sz="1400" dirty="0"/>
+                <a:t>.</a:t>
+              </a:r>
+            </a:p>
+          </p:txBody>
+        </p:sp>
+        <p:grpSp>
+          <p:nvGrpSpPr>
+            <p:cNvPr id="60" name="Group 59">
+              <a:extLst>
+                <a:ext uri="{FF2B5EF4-FFF2-40B4-BE49-F238E27FC236}">
+                  <a16:creationId xmlns:a16="http://schemas.microsoft.com/office/drawing/2014/main" id="{0FEB77F1-5BE6-B147-9A57-301FA86B5DAB}"/>
+                </a:ext>
+              </a:extLst>
+            </p:cNvPr>
+            <p:cNvGrpSpPr/>
+            <p:nvPr/>
+          </p:nvGrpSpPr>
+          <p:grpSpPr>
+            <a:xfrm>
+              <a:off x="4503804" y="1766776"/>
+              <a:ext cx="1655971" cy="1654698"/>
+              <a:chOff x="4503804" y="2641408"/>
+              <a:chExt cx="1655971" cy="1654698"/>
+            </a:xfrm>
+          </p:grpSpPr>
+          <p:sp>
+            <p:nvSpPr>
+              <p:cNvPr id="34" name="Rounded Rectangle 33">
+                <a:extLst>
+                  <a:ext uri="{FF2B5EF4-FFF2-40B4-BE49-F238E27FC236}">
+                    <a16:creationId xmlns:a16="http://schemas.microsoft.com/office/drawing/2014/main" id="{CCD2D9E2-8BF1-494D-9C7E-FD5D1B0621F0}"/>
+                  </a:ext>
+                </a:extLst>
+              </p:cNvPr>
+              <p:cNvSpPr/>
+              <p:nvPr/>
+            </p:nvSpPr>
+            <p:spPr>
+              <a:xfrm>
+                <a:off x="4503804" y="2641408"/>
+                <a:ext cx="1655971" cy="1654698"/>
+              </a:xfrm>
+              <a:prstGeom prst="roundRect">
+                <a:avLst/>
+              </a:prstGeom>
+            </p:spPr>
+            <p:style>
+              <a:lnRef idx="2">
+                <a:schemeClr val="dk1"/>
+              </a:lnRef>
+              <a:fillRef idx="1">
+                <a:schemeClr val="lt1"/>
+              </a:fillRef>
+              <a:effectRef idx="0">
+                <a:schemeClr val="dk1"/>
+              </a:effectRef>
+              <a:fontRef idx="minor">
+                <a:schemeClr val="dk1"/>
+              </a:fontRef>
+            </p:style>
+            <p:txBody>
+              <a:bodyPr rtlCol="0" anchor="ctr"/>
+              <a:lstStyle/>
+              <a:p>
+                <a:pPr algn="ctr"/>
+                <a:endParaRPr lang="en-US"/>
+              </a:p>
+            </p:txBody>
+          </p:sp>
+          <p:pic>
+            <p:nvPicPr>
+              <p:cNvPr id="33" name="Picture 32">
+                <a:extLst>
+                  <a:ext uri="{FF2B5EF4-FFF2-40B4-BE49-F238E27FC236}">
+                    <a16:creationId xmlns:a16="http://schemas.microsoft.com/office/drawing/2014/main" id="{78E62F95-DE41-C64D-813F-CAC5FFCF745A}"/>
+                  </a:ext>
+                </a:extLst>
+              </p:cNvPr>
+              <p:cNvPicPr>
+                <a:picLocks noChangeAspect="1"/>
+              </p:cNvPicPr>
+              <p:nvPr/>
+            </p:nvPicPr>
+            <p:blipFill>
+              <a:blip r:embed="rId5">
+                <a:extLst>
+                  <a:ext uri="{28A0092B-C50C-407E-A947-70E740481C1C}">
+                    <a14:useLocalDpi xmlns:a14="http://schemas.microsoft.com/office/drawing/2010/main" val="0"/>
+                  </a:ext>
+                </a:extLst>
+              </a:blip>
+              <a:stretch>
+                <a:fillRect/>
+              </a:stretch>
+            </p:blipFill>
+            <p:spPr>
+              <a:xfrm>
+                <a:off x="4601882" y="2822801"/>
+                <a:ext cx="1459813" cy="1291912"/>
+              </a:xfrm>
+              <a:prstGeom prst="rect">
+                <a:avLst/>
+              </a:prstGeom>
+            </p:spPr>
+          </p:pic>
+        </p:grpSp>
+        <p:grpSp>
+          <p:nvGrpSpPr>
+            <p:cNvPr id="61" name="Group 60">
+              <a:extLst>
+                <a:ext uri="{FF2B5EF4-FFF2-40B4-BE49-F238E27FC236}">
+                  <a16:creationId xmlns:a16="http://schemas.microsoft.com/office/drawing/2014/main" id="{2993FF7C-52C1-F640-BB2E-4455001A1FFF}"/>
+                </a:ext>
+              </a:extLst>
+            </p:cNvPr>
+            <p:cNvGrpSpPr/>
+            <p:nvPr/>
+          </p:nvGrpSpPr>
+          <p:grpSpPr>
+            <a:xfrm>
+              <a:off x="6688118" y="1766776"/>
+              <a:ext cx="1655971" cy="1654698"/>
+              <a:chOff x="6688118" y="2641408"/>
+              <a:chExt cx="1655971" cy="1654698"/>
+            </a:xfrm>
+          </p:grpSpPr>
+          <p:sp>
+            <p:nvSpPr>
+              <p:cNvPr id="39" name="Rounded Rectangle 38">
+                <a:extLst>
+                  <a:ext uri="{FF2B5EF4-FFF2-40B4-BE49-F238E27FC236}">
+                    <a16:creationId xmlns:a16="http://schemas.microsoft.com/office/drawing/2014/main" id="{99551ABD-7080-9A4E-B641-77DFA614759C}"/>
+                  </a:ext>
+                </a:extLst>
+              </p:cNvPr>
+              <p:cNvSpPr/>
+              <p:nvPr/>
+            </p:nvSpPr>
+            <p:spPr>
+              <a:xfrm>
+                <a:off x="6688118" y="2641408"/>
+                <a:ext cx="1655971" cy="1654698"/>
+              </a:xfrm>
+              <a:prstGeom prst="roundRect">
+                <a:avLst/>
+              </a:prstGeom>
+            </p:spPr>
+            <p:style>
+              <a:lnRef idx="2">
+                <a:schemeClr val="dk1"/>
+              </a:lnRef>
+              <a:fillRef idx="1">
+                <a:schemeClr val="lt1"/>
+              </a:fillRef>
+              <a:effectRef idx="0">
+                <a:schemeClr val="dk1"/>
+              </a:effectRef>
+              <a:fontRef idx="minor">
+                <a:schemeClr val="dk1"/>
+              </a:fontRef>
+            </p:style>
+            <p:txBody>
+              <a:bodyPr rtlCol="0" anchor="b"/>
+              <a:lstStyle/>
+              <a:p>
+                <a:pPr algn="ctr"/>
+                <a:r>
+                  <a:rPr lang="en-US" sz="1500" dirty="0"/>
+                  <a:t>Mary Smith</a:t>
+                </a:r>
+              </a:p>
+              <a:p>
+                <a:pPr algn="ctr"/>
+                <a:r>
+                  <a:rPr lang="en-US" sz="1500" dirty="0"/>
+                  <a:t>Incident PCR Number = 15000001</a:t>
+                </a:r>
+              </a:p>
+            </p:txBody>
+          </p:sp>
+          <p:pic>
+            <p:nvPicPr>
+              <p:cNvPr id="38" name="Picture 37">
+                <a:extLst>
+                  <a:ext uri="{FF2B5EF4-FFF2-40B4-BE49-F238E27FC236}">
+                    <a16:creationId xmlns:a16="http://schemas.microsoft.com/office/drawing/2014/main" id="{752A71E1-405B-B649-8A71-180661B16593}"/>
+                  </a:ext>
+                </a:extLst>
+              </p:cNvPr>
+              <p:cNvPicPr>
+                <a:picLocks noChangeAspect="1"/>
+              </p:cNvPicPr>
+              <p:nvPr/>
+            </p:nvPicPr>
+            <p:blipFill>
+              <a:blip r:embed="rId6"/>
+              <a:stretch>
+                <a:fillRect/>
+              </a:stretch>
+            </p:blipFill>
+            <p:spPr>
+              <a:xfrm>
+                <a:off x="7250731" y="2691105"/>
+                <a:ext cx="473110" cy="622795"/>
+              </a:xfrm>
+              <a:prstGeom prst="rect">
+                <a:avLst/>
+              </a:prstGeom>
+            </p:spPr>
+          </p:pic>
+        </p:grpSp>
+        <p:grpSp>
+          <p:nvGrpSpPr>
+            <p:cNvPr id="62" name="Group 61">
+              <a:extLst>
+                <a:ext uri="{FF2B5EF4-FFF2-40B4-BE49-F238E27FC236}">
+                  <a16:creationId xmlns:a16="http://schemas.microsoft.com/office/drawing/2014/main" id="{38AAAFFE-BCE0-F44C-8643-780C15C2C5FA}"/>
+                </a:ext>
+              </a:extLst>
+            </p:cNvPr>
+            <p:cNvGrpSpPr/>
+            <p:nvPr/>
+          </p:nvGrpSpPr>
+          <p:grpSpPr>
+            <a:xfrm>
+              <a:off x="8872432" y="1781213"/>
+              <a:ext cx="1655971" cy="1654698"/>
+              <a:chOff x="8872432" y="2655845"/>
+              <a:chExt cx="1655971" cy="1654698"/>
+            </a:xfrm>
+          </p:grpSpPr>
+          <p:sp>
+            <p:nvSpPr>
+              <p:cNvPr id="41" name="Rounded Rectangle 40">
+                <a:extLst>
+                  <a:ext uri="{FF2B5EF4-FFF2-40B4-BE49-F238E27FC236}">
+                    <a16:creationId xmlns:a16="http://schemas.microsoft.com/office/drawing/2014/main" id="{3E1B983F-B18F-0F44-8C41-04C9ABB1A0F3}"/>
+                  </a:ext>
+                </a:extLst>
+              </p:cNvPr>
+              <p:cNvSpPr/>
+              <p:nvPr/>
+            </p:nvSpPr>
+            <p:spPr>
+              <a:xfrm>
+                <a:off x="8872432" y="2655845"/>
+                <a:ext cx="1655971" cy="1654698"/>
+              </a:xfrm>
+              <a:prstGeom prst="roundRect">
+                <a:avLst/>
+              </a:prstGeom>
+            </p:spPr>
+            <p:style>
+              <a:lnRef idx="2">
+                <a:schemeClr val="dk1"/>
+              </a:lnRef>
+              <a:fillRef idx="1">
+                <a:schemeClr val="lt1"/>
+              </a:fillRef>
+              <a:effectRef idx="0">
+                <a:schemeClr val="dk1"/>
+              </a:effectRef>
+              <a:fontRef idx="minor">
+                <a:schemeClr val="dk1"/>
+              </a:fontRef>
+            </p:style>
+            <p:txBody>
+              <a:bodyPr rtlCol="0" anchor="ctr"/>
+              <a:lstStyle/>
+              <a:p>
+                <a:pPr algn="ctr"/>
+                <a:endParaRPr lang="en-US"/>
+              </a:p>
+            </p:txBody>
+          </p:sp>
+          <p:pic>
+            <p:nvPicPr>
+              <p:cNvPr id="43" name="Picture 42">
+                <a:extLst>
+                  <a:ext uri="{FF2B5EF4-FFF2-40B4-BE49-F238E27FC236}">
+                    <a16:creationId xmlns:a16="http://schemas.microsoft.com/office/drawing/2014/main" id="{B453573B-9BD4-3D47-96F5-6982D7141929}"/>
+                  </a:ext>
+                </a:extLst>
+              </p:cNvPr>
+              <p:cNvPicPr>
+                <a:picLocks noChangeAspect="1"/>
+              </p:cNvPicPr>
+              <p:nvPr/>
+            </p:nvPicPr>
+            <p:blipFill>
+              <a:blip r:embed="rId7">
+                <a:extLst>
+                  <a:ext uri="{28A0092B-C50C-407E-A947-70E740481C1C}">
+                    <a14:useLocalDpi xmlns:a14="http://schemas.microsoft.com/office/drawing/2010/main" val="0"/>
+                  </a:ext>
+                </a:extLst>
+              </a:blip>
+              <a:stretch>
+                <a:fillRect/>
+              </a:stretch>
+            </p:blipFill>
+            <p:spPr>
+              <a:xfrm>
+                <a:off x="8997346" y="2890606"/>
+                <a:ext cx="1406141" cy="1185176"/>
+              </a:xfrm>
+              <a:prstGeom prst="rect">
+                <a:avLst/>
+              </a:prstGeom>
+            </p:spPr>
+          </p:pic>
+        </p:grpSp>
+        <p:sp>
+          <p:nvSpPr>
+            <p:cNvPr id="45" name="TextBox 44">
+              <a:extLst>
+                <a:ext uri="{FF2B5EF4-FFF2-40B4-BE49-F238E27FC236}">
+                  <a16:creationId xmlns:a16="http://schemas.microsoft.com/office/drawing/2014/main" id="{37ACE795-F539-234F-BEB4-15D78EFDD978}"/>
+                </a:ext>
+              </a:extLst>
+            </p:cNvPr>
+            <p:cNvSpPr txBox="1"/>
+            <p:nvPr/>
+          </p:nvSpPr>
+          <p:spPr>
+            <a:xfrm>
+              <a:off x="6701370" y="717556"/>
+              <a:ext cx="3700402" cy="856018"/>
+            </a:xfrm>
+            <a:prstGeom prst="rect">
+              <a:avLst/>
+            </a:prstGeom>
+            <a:noFill/>
+          </p:spPr>
+          <p:txBody>
+            <a:bodyPr wrap="square" rtlCol="0">
+              <a:spAutoFit/>
+            </a:bodyPr>
+            <a:lstStyle/>
+            <a:p>
+              <a:pPr algn="ctr"/>
+              <a:r>
+                <a:rPr lang="en-US" sz="1400" dirty="0"/>
+                <a:t>3. A single record is created in </a:t>
+              </a:r>
+              <a:r>
+                <a:rPr lang="en-US" sz="1400" dirty="0" err="1"/>
+                <a:t>MedStar’s</a:t>
+              </a:r>
+              <a:r>
+                <a:rPr lang="en-US" sz="1400" dirty="0"/>
+                <a:t> </a:t>
+              </a:r>
+              <a:r>
+                <a:rPr lang="en-US" sz="1400" dirty="0" err="1"/>
+                <a:t>ePCR</a:t>
+              </a:r>
+              <a:r>
+                <a:rPr lang="en-US" sz="1400" dirty="0"/>
+                <a:t> for this person at this incident. It is then assigned an </a:t>
+              </a:r>
+              <a:r>
+                <a:rPr lang="en-US" sz="1400" b="1" dirty="0"/>
+                <a:t>incident PCR number</a:t>
+              </a:r>
+              <a:r>
+                <a:rPr lang="en-US" sz="1400" dirty="0"/>
+                <a:t>. There can be only one DETECT screening per incident PCR number.</a:t>
+              </a:r>
+            </a:p>
+          </p:txBody>
+        </p:sp>
+        <p:cxnSp>
+          <p:nvCxnSpPr>
+            <p:cNvPr id="51" name="Straight Arrow Connector 50">
+              <a:extLst>
+                <a:ext uri="{FF2B5EF4-FFF2-40B4-BE49-F238E27FC236}">
+                  <a16:creationId xmlns:a16="http://schemas.microsoft.com/office/drawing/2014/main" id="{53E1478C-32D9-8F41-B404-A4D97E17AC0E}"/>
+                </a:ext>
+              </a:extLst>
+            </p:cNvPr>
+            <p:cNvCxnSpPr>
+              <a:stCxn id="9" idx="3"/>
+              <a:endCxn id="26" idx="1"/>
+            </p:cNvCxnSpPr>
+            <p:nvPr/>
+          </p:nvCxnSpPr>
+          <p:spPr>
+            <a:xfrm>
+              <a:off x="1791147" y="2594125"/>
+              <a:ext cx="528343" cy="0"/>
+            </a:xfrm>
+            <a:prstGeom prst="straightConnector1">
+              <a:avLst/>
+            </a:prstGeom>
+            <a:ln>
+              <a:tailEnd type="triangle"/>
+            </a:ln>
+          </p:spPr>
+          <p:style>
+            <a:lnRef idx="1">
+              <a:schemeClr val="accent1"/>
+            </a:lnRef>
+            <a:fillRef idx="0">
+              <a:schemeClr val="accent1"/>
+            </a:fillRef>
+            <a:effectRef idx="0">
+              <a:schemeClr val="accent1"/>
+            </a:effectRef>
+            <a:fontRef idx="minor">
+              <a:schemeClr val="tx1"/>
+            </a:fontRef>
+          </p:style>
+        </p:cxnSp>
+        <p:cxnSp>
+          <p:nvCxnSpPr>
+            <p:cNvPr id="53" name="Straight Arrow Connector 52">
+              <a:extLst>
+                <a:ext uri="{FF2B5EF4-FFF2-40B4-BE49-F238E27FC236}">
+                  <a16:creationId xmlns:a16="http://schemas.microsoft.com/office/drawing/2014/main" id="{FFA0AC94-7DDA-804B-90C9-0B15A67C5D36}"/>
+                </a:ext>
+              </a:extLst>
+            </p:cNvPr>
+            <p:cNvCxnSpPr>
+              <a:stCxn id="26" idx="3"/>
+              <a:endCxn id="34" idx="1"/>
+            </p:cNvCxnSpPr>
+            <p:nvPr/>
+          </p:nvCxnSpPr>
+          <p:spPr>
+            <a:xfrm flipV="1">
+              <a:off x="3975461" y="2594125"/>
+              <a:ext cx="528343" cy="0"/>
+            </a:xfrm>
+            <a:prstGeom prst="straightConnector1">
+              <a:avLst/>
+            </a:prstGeom>
+            <a:ln>
+              <a:tailEnd type="triangle"/>
+            </a:ln>
+          </p:spPr>
+          <p:style>
+            <a:lnRef idx="1">
+              <a:schemeClr val="accent1"/>
+            </a:lnRef>
+            <a:fillRef idx="0">
+              <a:schemeClr val="accent1"/>
+            </a:fillRef>
+            <a:effectRef idx="0">
+              <a:schemeClr val="accent1"/>
+            </a:effectRef>
+            <a:fontRef idx="minor">
+              <a:schemeClr val="tx1"/>
+            </a:fontRef>
+          </p:style>
+        </p:cxnSp>
+        <p:cxnSp>
+          <p:nvCxnSpPr>
+            <p:cNvPr id="55" name="Straight Arrow Connector 54">
+              <a:extLst>
+                <a:ext uri="{FF2B5EF4-FFF2-40B4-BE49-F238E27FC236}">
+                  <a16:creationId xmlns:a16="http://schemas.microsoft.com/office/drawing/2014/main" id="{CF27DE72-CD90-9240-90FE-200A9D6BE2B6}"/>
+                </a:ext>
+              </a:extLst>
+            </p:cNvPr>
+            <p:cNvCxnSpPr>
+              <a:stCxn id="34" idx="3"/>
+              <a:endCxn id="39" idx="1"/>
+            </p:cNvCxnSpPr>
+            <p:nvPr/>
+          </p:nvCxnSpPr>
+          <p:spPr>
+            <a:xfrm>
+              <a:off x="6159775" y="2594125"/>
+              <a:ext cx="528343" cy="0"/>
+            </a:xfrm>
+            <a:prstGeom prst="straightConnector1">
+              <a:avLst/>
+            </a:prstGeom>
+            <a:ln>
+              <a:tailEnd type="triangle"/>
+            </a:ln>
+          </p:spPr>
+          <p:style>
+            <a:lnRef idx="1">
+              <a:schemeClr val="accent1"/>
+            </a:lnRef>
+            <a:fillRef idx="0">
+              <a:schemeClr val="accent1"/>
+            </a:fillRef>
+            <a:effectRef idx="0">
+              <a:schemeClr val="accent1"/>
+            </a:effectRef>
+            <a:fontRef idx="minor">
+              <a:schemeClr val="tx1"/>
+            </a:fontRef>
+          </p:style>
+        </p:cxnSp>
+        <p:cxnSp>
+          <p:nvCxnSpPr>
+            <p:cNvPr id="57" name="Straight Arrow Connector 56">
+              <a:extLst>
+                <a:ext uri="{FF2B5EF4-FFF2-40B4-BE49-F238E27FC236}">
+                  <a16:creationId xmlns:a16="http://schemas.microsoft.com/office/drawing/2014/main" id="{BFEC2181-AB9B-CB48-9BFF-D07E4B724982}"/>
+                </a:ext>
+              </a:extLst>
+            </p:cNvPr>
+            <p:cNvCxnSpPr>
+              <a:stCxn id="39" idx="3"/>
+              <a:endCxn id="41" idx="1"/>
+            </p:cNvCxnSpPr>
+            <p:nvPr/>
+          </p:nvCxnSpPr>
+          <p:spPr>
+            <a:xfrm>
+              <a:off x="8344089" y="2594125"/>
+              <a:ext cx="528343" cy="0"/>
+            </a:xfrm>
+            <a:prstGeom prst="straightConnector1">
+              <a:avLst/>
+            </a:prstGeom>
+            <a:ln>
+              <a:tailEnd type="triangle"/>
+            </a:ln>
+          </p:spPr>
+          <p:style>
+            <a:lnRef idx="1">
+              <a:schemeClr val="accent1"/>
+            </a:lnRef>
+            <a:fillRef idx="0">
+              <a:schemeClr val="accent1"/>
+            </a:fillRef>
+            <a:effectRef idx="0">
+              <a:schemeClr val="accent1"/>
+            </a:effectRef>
+            <a:fontRef idx="minor">
+              <a:schemeClr val="tx1"/>
+            </a:fontRef>
+          </p:style>
+        </p:cxnSp>
+        <p:grpSp>
+          <p:nvGrpSpPr>
+            <p:cNvPr id="63" name="Group 62">
+              <a:extLst>
+                <a:ext uri="{FF2B5EF4-FFF2-40B4-BE49-F238E27FC236}">
+                  <a16:creationId xmlns:a16="http://schemas.microsoft.com/office/drawing/2014/main" id="{5771FEBA-FA65-CB4F-B1DD-8EE91635D3AC}"/>
+                </a:ext>
+              </a:extLst>
+            </p:cNvPr>
+            <p:cNvGrpSpPr/>
+            <p:nvPr/>
+          </p:nvGrpSpPr>
+          <p:grpSpPr>
+            <a:xfrm>
+              <a:off x="6659300" y="3717916"/>
+              <a:ext cx="1655971" cy="1654698"/>
+              <a:chOff x="6688118" y="2641408"/>
+              <a:chExt cx="1655971" cy="1654698"/>
+            </a:xfrm>
+          </p:grpSpPr>
+          <p:sp>
+            <p:nvSpPr>
+              <p:cNvPr id="64" name="Rounded Rectangle 63">
+                <a:extLst>
+                  <a:ext uri="{FF2B5EF4-FFF2-40B4-BE49-F238E27FC236}">
+                    <a16:creationId xmlns:a16="http://schemas.microsoft.com/office/drawing/2014/main" id="{A9BC6213-63FF-C04F-8ED7-F9F1E56AD4E4}"/>
+                  </a:ext>
+                </a:extLst>
+              </p:cNvPr>
+              <p:cNvSpPr/>
+              <p:nvPr/>
+            </p:nvSpPr>
+            <p:spPr>
+              <a:xfrm>
+                <a:off x="6688118" y="2641408"/>
+                <a:ext cx="1655971" cy="1654698"/>
+              </a:xfrm>
+              <a:prstGeom prst="roundRect">
+                <a:avLst/>
+              </a:prstGeom>
+            </p:spPr>
+            <p:style>
+              <a:lnRef idx="2">
+                <a:schemeClr val="dk1"/>
+              </a:lnRef>
+              <a:fillRef idx="1">
+                <a:schemeClr val="lt1"/>
+              </a:fillRef>
+              <a:effectRef idx="0">
+                <a:schemeClr val="dk1"/>
+              </a:effectRef>
+              <a:fontRef idx="minor">
+                <a:schemeClr val="dk1"/>
+              </a:fontRef>
+            </p:style>
+            <p:txBody>
+              <a:bodyPr rtlCol="0" anchor="b"/>
+              <a:lstStyle/>
+              <a:p>
+                <a:pPr algn="ctr"/>
+                <a:r>
+                  <a:rPr lang="en-US" sz="1500" dirty="0"/>
+                  <a:t>John Smith</a:t>
+                </a:r>
+              </a:p>
+              <a:p>
+                <a:pPr algn="ctr"/>
+                <a:r>
+                  <a:rPr lang="en-US" sz="1500" dirty="0"/>
+                  <a:t>Incident PCR Number = 15000002</a:t>
+                </a:r>
+              </a:p>
+            </p:txBody>
+          </p:sp>
+          <p:pic>
+            <p:nvPicPr>
+              <p:cNvPr id="65" name="Picture 64">
+                <a:extLst>
+                  <a:ext uri="{FF2B5EF4-FFF2-40B4-BE49-F238E27FC236}">
+                    <a16:creationId xmlns:a16="http://schemas.microsoft.com/office/drawing/2014/main" id="{1530E01E-AD42-E24E-8AB1-357B7F728A6C}"/>
+                  </a:ext>
+                </a:extLst>
+              </p:cNvPr>
+              <p:cNvPicPr>
+                <a:picLocks noChangeAspect="1"/>
+              </p:cNvPicPr>
+              <p:nvPr/>
+            </p:nvPicPr>
+            <p:blipFill>
+              <a:blip r:embed="rId6"/>
+              <a:stretch>
+                <a:fillRect/>
+              </a:stretch>
+            </p:blipFill>
+            <p:spPr>
+              <a:xfrm>
+                <a:off x="7250731" y="2691105"/>
+                <a:ext cx="473110" cy="622795"/>
+              </a:xfrm>
+              <a:prstGeom prst="rect">
+                <a:avLst/>
+              </a:prstGeom>
+            </p:spPr>
+          </p:pic>
+        </p:grpSp>
+        <p:cxnSp>
+          <p:nvCxnSpPr>
+            <p:cNvPr id="67" name="Elbow Connector 66">
+              <a:extLst>
+                <a:ext uri="{FF2B5EF4-FFF2-40B4-BE49-F238E27FC236}">
+                  <a16:creationId xmlns:a16="http://schemas.microsoft.com/office/drawing/2014/main" id="{147CBB19-1307-9542-8CD2-9F36D52B1D6A}"/>
+                </a:ext>
+              </a:extLst>
+            </p:cNvPr>
+            <p:cNvCxnSpPr>
+              <a:stCxn id="34" idx="3"/>
+              <a:endCxn id="64" idx="1"/>
+            </p:cNvCxnSpPr>
+            <p:nvPr/>
+          </p:nvCxnSpPr>
+          <p:spPr>
+            <a:xfrm>
+              <a:off x="6159775" y="2594125"/>
+              <a:ext cx="499525" cy="1951140"/>
+            </a:xfrm>
+            <a:prstGeom prst="bentConnector3">
+              <a:avLst/>
+            </a:prstGeom>
+            <a:ln>
+              <a:tailEnd type="triangle"/>
+            </a:ln>
+          </p:spPr>
+          <p:style>
+            <a:lnRef idx="1">
+              <a:schemeClr val="accent1"/>
+            </a:lnRef>
+            <a:fillRef idx="0">
+              <a:schemeClr val="accent1"/>
+            </a:fillRef>
+            <a:effectRef idx="0">
+              <a:schemeClr val="accent1"/>
+            </a:effectRef>
+            <a:fontRef idx="minor">
+              <a:schemeClr val="tx1"/>
+            </a:fontRef>
+          </p:style>
+        </p:cxnSp>
+        <p:grpSp>
+          <p:nvGrpSpPr>
+            <p:cNvPr id="68" name="Group 67">
+              <a:extLst>
+                <a:ext uri="{FF2B5EF4-FFF2-40B4-BE49-F238E27FC236}">
+                  <a16:creationId xmlns:a16="http://schemas.microsoft.com/office/drawing/2014/main" id="{7627846D-78F2-D646-AF65-A2C915F9FAA9}"/>
+                </a:ext>
+              </a:extLst>
+            </p:cNvPr>
+            <p:cNvGrpSpPr/>
+            <p:nvPr/>
+          </p:nvGrpSpPr>
+          <p:grpSpPr>
+            <a:xfrm>
+              <a:off x="8872432" y="3767613"/>
+              <a:ext cx="1655971" cy="1654698"/>
+              <a:chOff x="8872432" y="2655845"/>
+              <a:chExt cx="1655971" cy="1654698"/>
+            </a:xfrm>
+          </p:grpSpPr>
+          <p:sp>
+            <p:nvSpPr>
+              <p:cNvPr id="69" name="Rounded Rectangle 68">
+                <a:extLst>
+                  <a:ext uri="{FF2B5EF4-FFF2-40B4-BE49-F238E27FC236}">
+                    <a16:creationId xmlns:a16="http://schemas.microsoft.com/office/drawing/2014/main" id="{23F0BFB6-88BF-6147-8F34-426A5C270A76}"/>
+                  </a:ext>
+                </a:extLst>
+              </p:cNvPr>
+              <p:cNvSpPr/>
+              <p:nvPr/>
+            </p:nvSpPr>
+            <p:spPr>
+              <a:xfrm>
+                <a:off x="8872432" y="2655845"/>
+                <a:ext cx="1655971" cy="1654698"/>
+              </a:xfrm>
+              <a:prstGeom prst="roundRect">
+                <a:avLst/>
+              </a:prstGeom>
+            </p:spPr>
+            <p:style>
+              <a:lnRef idx="2">
+                <a:schemeClr val="dk1"/>
+              </a:lnRef>
+              <a:fillRef idx="1">
+                <a:schemeClr val="lt1"/>
+              </a:fillRef>
+              <a:effectRef idx="0">
+                <a:schemeClr val="dk1"/>
+              </a:effectRef>
+              <a:fontRef idx="minor">
+                <a:schemeClr val="dk1"/>
+              </a:fontRef>
+            </p:style>
+            <p:txBody>
+              <a:bodyPr rtlCol="0" anchor="ctr"/>
+              <a:lstStyle/>
+              <a:p>
+                <a:pPr algn="ctr"/>
+                <a:endParaRPr lang="en-US"/>
+              </a:p>
+            </p:txBody>
+          </p:sp>
+          <p:pic>
+            <p:nvPicPr>
+              <p:cNvPr id="70" name="Picture 69">
+                <a:extLst>
+                  <a:ext uri="{FF2B5EF4-FFF2-40B4-BE49-F238E27FC236}">
+                    <a16:creationId xmlns:a16="http://schemas.microsoft.com/office/drawing/2014/main" id="{4D77020B-C923-A041-88DC-94F553168216}"/>
+                  </a:ext>
+                </a:extLst>
+              </p:cNvPr>
+              <p:cNvPicPr>
+                <a:picLocks noChangeAspect="1"/>
+              </p:cNvPicPr>
+              <p:nvPr/>
+            </p:nvPicPr>
+            <p:blipFill>
+              <a:blip r:embed="rId7">
+                <a:extLst>
+                  <a:ext uri="{28A0092B-C50C-407E-A947-70E740481C1C}">
+                    <a14:useLocalDpi xmlns:a14="http://schemas.microsoft.com/office/drawing/2010/main" val="0"/>
+                  </a:ext>
+                </a:extLst>
+              </a:blip>
+              <a:stretch>
+                <a:fillRect/>
+              </a:stretch>
+            </p:blipFill>
+            <p:spPr>
+              <a:xfrm>
+                <a:off x="8997346" y="2890606"/>
+                <a:ext cx="1406141" cy="1185176"/>
+              </a:xfrm>
+              <a:prstGeom prst="rect">
+                <a:avLst/>
+              </a:prstGeom>
+            </p:spPr>
+          </p:pic>
+        </p:grpSp>
+        <p:cxnSp>
+          <p:nvCxnSpPr>
+            <p:cNvPr id="72" name="Straight Arrow Connector 71">
+              <a:extLst>
+                <a:ext uri="{FF2B5EF4-FFF2-40B4-BE49-F238E27FC236}">
+                  <a16:creationId xmlns:a16="http://schemas.microsoft.com/office/drawing/2014/main" id="{C8143593-71C3-6740-BCA4-6137669F8749}"/>
+                </a:ext>
+              </a:extLst>
+            </p:cNvPr>
+            <p:cNvCxnSpPr>
+              <a:stCxn id="64" idx="3"/>
+              <a:endCxn id="69" idx="1"/>
+            </p:cNvCxnSpPr>
+            <p:nvPr/>
+          </p:nvCxnSpPr>
+          <p:spPr>
+            <a:xfrm>
+              <a:off x="8315271" y="4545265"/>
+              <a:ext cx="557161" cy="0"/>
+            </a:xfrm>
+            <a:prstGeom prst="straightConnector1">
+              <a:avLst/>
+            </a:prstGeom>
+            <a:ln>
+              <a:tailEnd type="triangle"/>
+            </a:ln>
+          </p:spPr>
+          <p:style>
+            <a:lnRef idx="1">
+              <a:schemeClr val="accent1"/>
+            </a:lnRef>
+            <a:fillRef idx="0">
+              <a:schemeClr val="accent1"/>
+            </a:fillRef>
+            <a:effectRef idx="0">
+              <a:schemeClr val="accent1"/>
+            </a:effectRef>
+            <a:fontRef idx="minor">
+              <a:schemeClr val="tx1"/>
+            </a:fontRef>
+          </p:style>
+        </p:cxnSp>
+        <p:sp>
+          <p:nvSpPr>
+            <p:cNvPr id="73" name="TextBox 72">
+              <a:extLst>
+                <a:ext uri="{FF2B5EF4-FFF2-40B4-BE49-F238E27FC236}">
+                  <a16:creationId xmlns:a16="http://schemas.microsoft.com/office/drawing/2014/main" id="{EF653C70-4776-BF4E-991D-C52A614C7084}"/>
+                </a:ext>
+              </a:extLst>
+            </p:cNvPr>
+            <p:cNvSpPr txBox="1"/>
+            <p:nvPr/>
+          </p:nvSpPr>
+          <p:spPr>
+            <a:xfrm>
+              <a:off x="6701370" y="5558240"/>
+              <a:ext cx="4001212" cy="662724"/>
+            </a:xfrm>
+            <a:prstGeom prst="rect">
+              <a:avLst/>
+            </a:prstGeom>
+            <a:noFill/>
+          </p:spPr>
+          <p:txBody>
+            <a:bodyPr wrap="square" rtlCol="0">
+              <a:spAutoFit/>
+            </a:bodyPr>
+            <a:lstStyle/>
+            <a:p>
+              <a:pPr algn="ctr"/>
+              <a:r>
+                <a:rPr lang="en-US" sz="1400" dirty="0"/>
+                <a:t>4. If there is more than one patient at the incident, each one is given a separate record, and a unique </a:t>
+              </a:r>
+              <a:r>
+                <a:rPr lang="en-US" sz="1400" b="1" dirty="0"/>
+                <a:t>incident PCR number</a:t>
+              </a:r>
+              <a:r>
+                <a:rPr lang="en-US" sz="1400" dirty="0"/>
+                <a:t>, in </a:t>
+              </a:r>
+              <a:r>
+                <a:rPr lang="en-US" sz="1400" dirty="0" err="1"/>
+                <a:t>MedStar’s</a:t>
+              </a:r>
+              <a:r>
+                <a:rPr lang="en-US" sz="1400" dirty="0"/>
+                <a:t> </a:t>
+              </a:r>
+              <a:r>
+                <a:rPr lang="en-US" sz="1400" dirty="0" err="1"/>
+                <a:t>ePCR</a:t>
+              </a:r>
+              <a:r>
+                <a:rPr lang="en-US" sz="1400" dirty="0"/>
+                <a:t>.</a:t>
+              </a:r>
+            </a:p>
+          </p:txBody>
+        </p:sp>
+      </p:grpSp>
     </p:spTree>
     <p:extLst>
       <p:ext uri="{BB962C8B-B14F-4D97-AF65-F5344CB8AC3E}">
         <p14:creationId xmlns:p14="http://schemas.microsoft.com/office/powerpoint/2010/main" val="3959532915"/>
+      </p:ext>
+    </p:extLst>
+  </p:cSld>
+  <p:clrMapOvr>
+    <a:masterClrMapping/>
+  </p:clrMapOvr>
+</p:sld>
+</file>
+
+<file path=ppt/slides/slide4.xml><?xml version="1.0" encoding="utf-8"?>
+<p:sld xmlns:a="http://schemas.openxmlformats.org/drawingml/2006/main" xmlns:r="http://schemas.openxmlformats.org/officeDocument/2006/relationships" xmlns:p="http://schemas.openxmlformats.org/presentationml/2006/main">
+  <p:cSld>
+    <p:spTree>
+      <p:nvGrpSpPr>
+        <p:cNvPr id="1" name=""/>
+        <p:cNvGrpSpPr/>
+        <p:nvPr/>
+      </p:nvGrpSpPr>
+      <p:grpSpPr>
+        <a:xfrm>
+          <a:off x="0" y="0"/>
+          <a:ext cx="0" cy="0"/>
+          <a:chOff x="0" y="0"/>
+          <a:chExt cx="0" cy="0"/>
+        </a:xfrm>
+      </p:grpSpPr>
+    </p:spTree>
+    <p:extLst>
+      <p:ext uri="{BB962C8B-B14F-4D97-AF65-F5344CB8AC3E}">
+        <p14:creationId xmlns:p14="http://schemas.microsoft.com/office/powerpoint/2010/main" val="1630810266"/>
       </p:ext>
     </p:extLst>
   </p:cSld>

--- a/images/detect_pilot_graphics.pptx
+++ b/images/detect_pilot_graphics.pptx
@@ -200,7 +200,7 @@
           <a:p>
             <a:fld id="{100C7322-DBA3-BF43-82FB-6F78055E2C71}" type="datetimeFigureOut">
               <a:rPr lang="en-US" smtClean="0"/>
-              <a:t>3/17/18</a:t>
+              <a:t>3/23/18</a:t>
             </a:fld>
             <a:endParaRPr lang="en-US"/>
           </a:p>
@@ -687,16 +687,6 @@
               <a:buFont typeface="Arial" panose="020B0604020202020204" pitchFamily="34" charset="0"/>
               <a:buChar char="•"/>
             </a:pPr>
-            <a:r>
-              <a:rPr lang="en-US" dirty="0"/>
-              <a:t>APS Response</a:t>
-            </a:r>
-          </a:p>
-          <a:p>
-            <a:pPr marL="171450" indent="-171450">
-              <a:buFont typeface="Arial" panose="020B0604020202020204" pitchFamily="34" charset="0"/>
-              <a:buChar char="•"/>
-            </a:pPr>
             <a:endParaRPr lang="en-US" dirty="0"/>
           </a:p>
         </p:txBody>
@@ -727,7 +717,7 @@
     </p:spTree>
     <p:extLst>
       <p:ext uri="{BB962C8B-B14F-4D97-AF65-F5344CB8AC3E}">
-        <p14:creationId xmlns:p14="http://schemas.microsoft.com/office/powerpoint/2010/main" val="3967404216"/>
+        <p14:creationId xmlns:p14="http://schemas.microsoft.com/office/powerpoint/2010/main" val="3665932367"/>
       </p:ext>
     </p:extLst>
   </p:cSld>
@@ -884,7 +874,7 @@
           <a:p>
             <a:fld id="{D4835627-BE63-6D44-A8D4-6AB599939C0A}" type="datetimeFigureOut">
               <a:rPr lang="en-US" smtClean="0"/>
-              <a:t>3/17/18</a:t>
+              <a:t>3/23/18</a:t>
             </a:fld>
             <a:endParaRPr lang="en-US"/>
           </a:p>
@@ -1082,7 +1072,7 @@
           <a:p>
             <a:fld id="{D4835627-BE63-6D44-A8D4-6AB599939C0A}" type="datetimeFigureOut">
               <a:rPr lang="en-US" smtClean="0"/>
-              <a:t>3/17/18</a:t>
+              <a:t>3/23/18</a:t>
             </a:fld>
             <a:endParaRPr lang="en-US"/>
           </a:p>
@@ -1290,7 +1280,7 @@
           <a:p>
             <a:fld id="{D4835627-BE63-6D44-A8D4-6AB599939C0A}" type="datetimeFigureOut">
               <a:rPr lang="en-US" smtClean="0"/>
-              <a:t>3/17/18</a:t>
+              <a:t>3/23/18</a:t>
             </a:fld>
             <a:endParaRPr lang="en-US"/>
           </a:p>
@@ -1488,7 +1478,7 @@
           <a:p>
             <a:fld id="{D4835627-BE63-6D44-A8D4-6AB599939C0A}" type="datetimeFigureOut">
               <a:rPr lang="en-US" smtClean="0"/>
-              <a:t>3/17/18</a:t>
+              <a:t>3/23/18</a:t>
             </a:fld>
             <a:endParaRPr lang="en-US"/>
           </a:p>
@@ -1763,7 +1753,7 @@
           <a:p>
             <a:fld id="{D4835627-BE63-6D44-A8D4-6AB599939C0A}" type="datetimeFigureOut">
               <a:rPr lang="en-US" smtClean="0"/>
-              <a:t>3/17/18</a:t>
+              <a:t>3/23/18</a:t>
             </a:fld>
             <a:endParaRPr lang="en-US"/>
           </a:p>
@@ -2028,7 +2018,7 @@
           <a:p>
             <a:fld id="{D4835627-BE63-6D44-A8D4-6AB599939C0A}" type="datetimeFigureOut">
               <a:rPr lang="en-US" smtClean="0"/>
-              <a:t>3/17/18</a:t>
+              <a:t>3/23/18</a:t>
             </a:fld>
             <a:endParaRPr lang="en-US"/>
           </a:p>
@@ -2440,7 +2430,7 @@
           <a:p>
             <a:fld id="{D4835627-BE63-6D44-A8D4-6AB599939C0A}" type="datetimeFigureOut">
               <a:rPr lang="en-US" smtClean="0"/>
-              <a:t>3/17/18</a:t>
+              <a:t>3/23/18</a:t>
             </a:fld>
             <a:endParaRPr lang="en-US"/>
           </a:p>
@@ -2581,7 +2571,7 @@
           <a:p>
             <a:fld id="{D4835627-BE63-6D44-A8D4-6AB599939C0A}" type="datetimeFigureOut">
               <a:rPr lang="en-US" smtClean="0"/>
-              <a:t>3/17/18</a:t>
+              <a:t>3/23/18</a:t>
             </a:fld>
             <a:endParaRPr lang="en-US"/>
           </a:p>
@@ -2694,7 +2684,7 @@
           <a:p>
             <a:fld id="{D4835627-BE63-6D44-A8D4-6AB599939C0A}" type="datetimeFigureOut">
               <a:rPr lang="en-US" smtClean="0"/>
-              <a:t>3/17/18</a:t>
+              <a:t>3/23/18</a:t>
             </a:fld>
             <a:endParaRPr lang="en-US"/>
           </a:p>
@@ -3005,7 +2995,7 @@
           <a:p>
             <a:fld id="{D4835627-BE63-6D44-A8D4-6AB599939C0A}" type="datetimeFigureOut">
               <a:rPr lang="en-US" smtClean="0"/>
-              <a:t>3/17/18</a:t>
+              <a:t>3/23/18</a:t>
             </a:fld>
             <a:endParaRPr lang="en-US"/>
           </a:p>
@@ -3293,7 +3283,7 @@
           <a:p>
             <a:fld id="{D4835627-BE63-6D44-A8D4-6AB599939C0A}" type="datetimeFigureOut">
               <a:rPr lang="en-US" smtClean="0"/>
-              <a:t>3/17/18</a:t>
+              <a:t>3/23/18</a:t>
             </a:fld>
             <a:endParaRPr lang="en-US"/>
           </a:p>
@@ -3534,7 +3524,7 @@
           <a:p>
             <a:fld id="{D4835627-BE63-6D44-A8D4-6AB599939C0A}" type="datetimeFigureOut">
               <a:rPr lang="en-US" smtClean="0"/>
-              <a:t>3/17/18</a:t>
+              <a:t>3/23/18</a:t>
             </a:fld>
             <a:endParaRPr lang="en-US"/>
           </a:p>
@@ -4849,7 +4839,7 @@
         </p:nvGrpSpPr>
         <p:grpSpPr>
           <a:xfrm>
-            <a:off x="196951" y="319663"/>
+            <a:off x="196951" y="346168"/>
             <a:ext cx="11798098" cy="6134032"/>
             <a:chOff x="117416" y="717556"/>
             <a:chExt cx="10585166" cy="5503408"/>
@@ -6098,10 +6088,919 @@
           <a:chExt cx="0" cy="0"/>
         </a:xfrm>
       </p:grpSpPr>
+      <p:sp>
+        <p:nvSpPr>
+          <p:cNvPr id="15" name="TextBox 14">
+            <a:extLst>
+              <a:ext uri="{FF2B5EF4-FFF2-40B4-BE49-F238E27FC236}">
+                <a16:creationId xmlns:a16="http://schemas.microsoft.com/office/drawing/2014/main" id="{FAD04D02-766F-D347-8FCD-64E7099B4BC7}"/>
+              </a:ext>
+            </a:extLst>
+          </p:cNvPr>
+          <p:cNvSpPr txBox="1"/>
+          <p:nvPr/>
+        </p:nvSpPr>
+        <p:spPr>
+          <a:xfrm>
+            <a:off x="125620" y="1991935"/>
+            <a:ext cx="2177551" cy="2462213"/>
+          </a:xfrm>
+          <a:prstGeom prst="rect">
+            <a:avLst/>
+          </a:prstGeom>
+          <a:noFill/>
+        </p:spPr>
+        <p:txBody>
+          <a:bodyPr wrap="square" rtlCol="0">
+            <a:spAutoFit/>
+          </a:bodyPr>
+          <a:lstStyle/>
+          <a:p>
+            <a:r>
+              <a:rPr lang="en-US" sz="1400" dirty="0"/>
+              <a:t>1. A report is made to APS by phone, email, or both. Each unique report made generates a new </a:t>
+            </a:r>
+            <a:r>
+              <a:rPr lang="en-US" sz="1400" b="1" dirty="0"/>
+              <a:t>Intake Stage Number</a:t>
+            </a:r>
+            <a:r>
+              <a:rPr lang="en-US" sz="1400" dirty="0"/>
+              <a:t>.</a:t>
+            </a:r>
+          </a:p>
+          <a:p>
+            <a:pPr algn="ctr"/>
+            <a:endParaRPr lang="en-US" sz="1400" dirty="0"/>
+          </a:p>
+          <a:p>
+            <a:r>
+              <a:rPr lang="en-US" sz="1400" dirty="0"/>
+              <a:t>Note: There may be multiple allegations (e.g., neglect and emotional abuse) associated with each report.</a:t>
+            </a:r>
+          </a:p>
+        </p:txBody>
+      </p:sp>
+      <p:sp>
+        <p:nvSpPr>
+          <p:cNvPr id="81" name="TextBox 80">
+            <a:extLst>
+              <a:ext uri="{FF2B5EF4-FFF2-40B4-BE49-F238E27FC236}">
+                <a16:creationId xmlns:a16="http://schemas.microsoft.com/office/drawing/2014/main" id="{E7E356D1-DD75-DA49-93D8-E64E5FA48DC8}"/>
+              </a:ext>
+            </a:extLst>
+          </p:cNvPr>
+          <p:cNvSpPr txBox="1"/>
+          <p:nvPr/>
+        </p:nvSpPr>
+        <p:spPr>
+          <a:xfrm>
+            <a:off x="10014449" y="1991935"/>
+            <a:ext cx="2177551" cy="2462213"/>
+          </a:xfrm>
+          <a:prstGeom prst="rect">
+            <a:avLst/>
+          </a:prstGeom>
+          <a:noFill/>
+        </p:spPr>
+        <p:txBody>
+          <a:bodyPr wrap="square" rtlCol="0">
+            <a:spAutoFit/>
+          </a:bodyPr>
+          <a:lstStyle/>
+          <a:p>
+            <a:r>
+              <a:rPr lang="en-US" sz="1400" dirty="0"/>
+              <a:t>2. Each alleged perpetrator is assigned a </a:t>
+            </a:r>
+            <a:r>
+              <a:rPr lang="en-US" sz="1400" b="1" dirty="0"/>
+              <a:t>perpetrator ID</a:t>
+            </a:r>
+            <a:r>
+              <a:rPr lang="en-US" sz="1400" dirty="0"/>
+              <a:t>. That id id is reused across case numbers.</a:t>
+            </a:r>
+          </a:p>
+          <a:p>
+            <a:pPr algn="ctr"/>
+            <a:endParaRPr lang="en-US" sz="1400" dirty="0"/>
+          </a:p>
+          <a:p>
+            <a:r>
+              <a:rPr lang="en-US" sz="1400" dirty="0"/>
+              <a:t>Note: In cases of self-neglect, the victim and the perpetrator are the same person – and a perpetrator ID is still created for that person.</a:t>
+            </a:r>
+          </a:p>
+        </p:txBody>
+      </p:sp>
+      <p:grpSp>
+        <p:nvGrpSpPr>
+          <p:cNvPr id="101" name="Group 100">
+            <a:extLst>
+              <a:ext uri="{FF2B5EF4-FFF2-40B4-BE49-F238E27FC236}">
+                <a16:creationId xmlns:a16="http://schemas.microsoft.com/office/drawing/2014/main" id="{050D668D-17E2-E044-AC21-7A6C1A6F7BB8}"/>
+              </a:ext>
+            </a:extLst>
+          </p:cNvPr>
+          <p:cNvGrpSpPr/>
+          <p:nvPr/>
+        </p:nvGrpSpPr>
+        <p:grpSpPr>
+          <a:xfrm>
+            <a:off x="2469084" y="1974593"/>
+            <a:ext cx="7253833" cy="4021996"/>
+            <a:chOff x="1904432" y="1364666"/>
+            <a:chExt cx="7253833" cy="4021996"/>
+          </a:xfrm>
+        </p:grpSpPr>
+        <p:sp>
+          <p:nvSpPr>
+            <p:cNvPr id="102" name="Rounded Rectangle 101">
+              <a:extLst>
+                <a:ext uri="{FF2B5EF4-FFF2-40B4-BE49-F238E27FC236}">
+                  <a16:creationId xmlns:a16="http://schemas.microsoft.com/office/drawing/2014/main" id="{571616DF-F66C-3443-BD21-8D5603680706}"/>
+                </a:ext>
+              </a:extLst>
+            </p:cNvPr>
+            <p:cNvSpPr/>
+            <p:nvPr/>
+          </p:nvSpPr>
+          <p:spPr>
+            <a:xfrm>
+              <a:off x="1904432" y="1367515"/>
+              <a:ext cx="1845725" cy="1844306"/>
+            </a:xfrm>
+            <a:prstGeom prst="roundRect">
+              <a:avLst/>
+            </a:prstGeom>
+          </p:spPr>
+          <p:style>
+            <a:lnRef idx="2">
+              <a:schemeClr val="dk1"/>
+            </a:lnRef>
+            <a:fillRef idx="1">
+              <a:schemeClr val="lt1"/>
+            </a:fillRef>
+            <a:effectRef idx="0">
+              <a:schemeClr val="dk1"/>
+            </a:effectRef>
+            <a:fontRef idx="minor">
+              <a:schemeClr val="dk1"/>
+            </a:fontRef>
+          </p:style>
+          <p:txBody>
+            <a:bodyPr rtlCol="0" anchor="b"/>
+            <a:lstStyle/>
+            <a:p>
+              <a:pPr algn="ctr"/>
+              <a:r>
+                <a:rPr lang="en-US" sz="1500" dirty="0"/>
+                <a:t>Intake Stage Number = 66000001</a:t>
+              </a:r>
+            </a:p>
+          </p:txBody>
+        </p:sp>
+        <p:grpSp>
+          <p:nvGrpSpPr>
+            <p:cNvPr id="103" name="Group 102">
+              <a:extLst>
+                <a:ext uri="{FF2B5EF4-FFF2-40B4-BE49-F238E27FC236}">
+                  <a16:creationId xmlns:a16="http://schemas.microsoft.com/office/drawing/2014/main" id="{DB861989-15C0-3D45-B621-23E01EC839C8}"/>
+                </a:ext>
+              </a:extLst>
+            </p:cNvPr>
+            <p:cNvGrpSpPr/>
+            <p:nvPr/>
+          </p:nvGrpSpPr>
+          <p:grpSpPr>
+            <a:xfrm>
+              <a:off x="1912309" y="3473712"/>
+              <a:ext cx="1845725" cy="1844306"/>
+              <a:chOff x="7520576" y="1502364"/>
+              <a:chExt cx="1845725" cy="1844306"/>
+            </a:xfrm>
+          </p:grpSpPr>
+          <p:sp>
+            <p:nvSpPr>
+              <p:cNvPr id="118" name="Rounded Rectangle 117">
+                <a:extLst>
+                  <a:ext uri="{FF2B5EF4-FFF2-40B4-BE49-F238E27FC236}">
+                    <a16:creationId xmlns:a16="http://schemas.microsoft.com/office/drawing/2014/main" id="{A65B5E2D-3882-D24E-966E-75AED2E6C7E7}"/>
+                  </a:ext>
+                </a:extLst>
+              </p:cNvPr>
+              <p:cNvSpPr/>
+              <p:nvPr/>
+            </p:nvSpPr>
+            <p:spPr>
+              <a:xfrm>
+                <a:off x="7520576" y="1502364"/>
+                <a:ext cx="1845725" cy="1844306"/>
+              </a:xfrm>
+              <a:prstGeom prst="roundRect">
+                <a:avLst/>
+              </a:prstGeom>
+            </p:spPr>
+            <p:style>
+              <a:lnRef idx="2">
+                <a:schemeClr val="dk1"/>
+              </a:lnRef>
+              <a:fillRef idx="1">
+                <a:schemeClr val="lt1"/>
+              </a:fillRef>
+              <a:effectRef idx="0">
+                <a:schemeClr val="dk1"/>
+              </a:effectRef>
+              <a:fontRef idx="minor">
+                <a:schemeClr val="dk1"/>
+              </a:fontRef>
+            </p:style>
+            <p:txBody>
+              <a:bodyPr rtlCol="0" anchor="b"/>
+              <a:lstStyle/>
+              <a:p>
+                <a:pPr algn="ctr"/>
+                <a:r>
+                  <a:rPr lang="en-US" sz="1500" dirty="0"/>
+                  <a:t>Intake Stage Number = 66000002</a:t>
+                </a:r>
+              </a:p>
+            </p:txBody>
+          </p:sp>
+          <p:pic>
+            <p:nvPicPr>
+              <p:cNvPr id="119" name="Picture 118">
+                <a:extLst>
+                  <a:ext uri="{FF2B5EF4-FFF2-40B4-BE49-F238E27FC236}">
+                    <a16:creationId xmlns:a16="http://schemas.microsoft.com/office/drawing/2014/main" id="{F94EB740-7208-1840-AAF9-EE697F9F925E}"/>
+                  </a:ext>
+                </a:extLst>
+              </p:cNvPr>
+              <p:cNvPicPr>
+                <a:picLocks noChangeAspect="1"/>
+              </p:cNvPicPr>
+              <p:nvPr/>
+            </p:nvPicPr>
+            <p:blipFill>
+              <a:blip r:embed="rId3">
+                <a:duotone>
+                  <a:schemeClr val="accent1">
+                    <a:shade val="45000"/>
+                    <a:satMod val="135000"/>
+                  </a:schemeClr>
+                  <a:prstClr val="white"/>
+                </a:duotone>
+              </a:blip>
+              <a:stretch>
+                <a:fillRect/>
+              </a:stretch>
+            </p:blipFill>
+            <p:spPr>
+              <a:xfrm>
+                <a:off x="8147658" y="1571008"/>
+                <a:ext cx="527323" cy="694160"/>
+              </a:xfrm>
+              <a:prstGeom prst="rect">
+                <a:avLst/>
+              </a:prstGeom>
+            </p:spPr>
+          </p:pic>
+        </p:grpSp>
+        <p:grpSp>
+          <p:nvGrpSpPr>
+            <p:cNvPr id="104" name="Group 103">
+              <a:extLst>
+                <a:ext uri="{FF2B5EF4-FFF2-40B4-BE49-F238E27FC236}">
+                  <a16:creationId xmlns:a16="http://schemas.microsoft.com/office/drawing/2014/main" id="{8A35482E-F4EF-6449-97EF-B7519DC154D0}"/>
+                </a:ext>
+              </a:extLst>
+            </p:cNvPr>
+            <p:cNvGrpSpPr/>
+            <p:nvPr/>
+          </p:nvGrpSpPr>
+          <p:grpSpPr>
+            <a:xfrm>
+              <a:off x="4768691" y="2551559"/>
+              <a:ext cx="1845725" cy="1844306"/>
+              <a:chOff x="7520576" y="1502364"/>
+              <a:chExt cx="1845725" cy="1844306"/>
+            </a:xfrm>
+          </p:grpSpPr>
+          <p:sp>
+            <p:nvSpPr>
+              <p:cNvPr id="116" name="Rounded Rectangle 115">
+                <a:extLst>
+                  <a:ext uri="{FF2B5EF4-FFF2-40B4-BE49-F238E27FC236}">
+                    <a16:creationId xmlns:a16="http://schemas.microsoft.com/office/drawing/2014/main" id="{8BDDE321-30D1-A24A-B4F0-4373EC638FAE}"/>
+                  </a:ext>
+                </a:extLst>
+              </p:cNvPr>
+              <p:cNvSpPr/>
+              <p:nvPr/>
+            </p:nvSpPr>
+            <p:spPr>
+              <a:xfrm>
+                <a:off x="7520576" y="1502364"/>
+                <a:ext cx="1845725" cy="1844306"/>
+              </a:xfrm>
+              <a:prstGeom prst="roundRect">
+                <a:avLst/>
+              </a:prstGeom>
+            </p:spPr>
+            <p:style>
+              <a:lnRef idx="2">
+                <a:schemeClr val="dk1"/>
+              </a:lnRef>
+              <a:fillRef idx="1">
+                <a:schemeClr val="lt1"/>
+              </a:fillRef>
+              <a:effectRef idx="0">
+                <a:schemeClr val="dk1"/>
+              </a:effectRef>
+              <a:fontRef idx="minor">
+                <a:schemeClr val="dk1"/>
+              </a:fontRef>
+            </p:style>
+            <p:txBody>
+              <a:bodyPr rtlCol="0" anchor="b"/>
+              <a:lstStyle/>
+              <a:p>
+                <a:pPr algn="ctr"/>
+                <a:r>
+                  <a:rPr lang="en-US" sz="1500" dirty="0"/>
+                  <a:t> Victim = </a:t>
+                </a:r>
+              </a:p>
+              <a:p>
+                <a:pPr algn="ctr"/>
+                <a:r>
+                  <a:rPr lang="en-US" sz="1500" dirty="0"/>
+                  <a:t>Mary Smith</a:t>
+                </a:r>
+              </a:p>
+              <a:p>
+                <a:pPr algn="ctr"/>
+                <a:endParaRPr lang="en-US" sz="1500" dirty="0"/>
+              </a:p>
+            </p:txBody>
+          </p:sp>
+          <p:pic>
+            <p:nvPicPr>
+              <p:cNvPr id="117" name="Picture 116">
+                <a:extLst>
+                  <a:ext uri="{FF2B5EF4-FFF2-40B4-BE49-F238E27FC236}">
+                    <a16:creationId xmlns:a16="http://schemas.microsoft.com/office/drawing/2014/main" id="{172EE251-16BC-574E-B512-7EC70E3F5A09}"/>
+                  </a:ext>
+                </a:extLst>
+              </p:cNvPr>
+              <p:cNvPicPr>
+                <a:picLocks noChangeAspect="1"/>
+              </p:cNvPicPr>
+              <p:nvPr/>
+            </p:nvPicPr>
+            <p:blipFill>
+              <a:blip r:embed="rId3"/>
+              <a:stretch>
+                <a:fillRect/>
+              </a:stretch>
+            </p:blipFill>
+            <p:spPr>
+              <a:xfrm>
+                <a:off x="8147658" y="1571008"/>
+                <a:ext cx="527323" cy="694160"/>
+              </a:xfrm>
+              <a:prstGeom prst="rect">
+                <a:avLst/>
+              </a:prstGeom>
+            </p:spPr>
+          </p:pic>
+        </p:grpSp>
+        <p:pic>
+          <p:nvPicPr>
+            <p:cNvPr id="105" name="Picture 104">
+              <a:extLst>
+                <a:ext uri="{FF2B5EF4-FFF2-40B4-BE49-F238E27FC236}">
+                  <a16:creationId xmlns:a16="http://schemas.microsoft.com/office/drawing/2014/main" id="{3DAF5F47-62C5-E844-B1BA-850B71D105AE}"/>
+                </a:ext>
+              </a:extLst>
+            </p:cNvPr>
+            <p:cNvPicPr>
+              <a:picLocks noChangeAspect="1"/>
+            </p:cNvPicPr>
+            <p:nvPr/>
+          </p:nvPicPr>
+          <p:blipFill>
+            <a:blip r:embed="rId4">
+              <a:extLst>
+                <a:ext uri="{28A0092B-C50C-407E-A947-70E740481C1C}">
+                  <a14:useLocalDpi xmlns:a14="http://schemas.microsoft.com/office/drawing/2010/main" val="0"/>
+                </a:ext>
+              </a:extLst>
+            </a:blip>
+            <a:stretch>
+              <a:fillRect/>
+            </a:stretch>
+          </p:blipFill>
+          <p:spPr>
+            <a:xfrm>
+              <a:off x="2283168" y="1364666"/>
+              <a:ext cx="1027544" cy="1027544"/>
+            </a:xfrm>
+            <a:prstGeom prst="rect">
+              <a:avLst/>
+            </a:prstGeom>
+          </p:spPr>
+        </p:pic>
+        <p:grpSp>
+          <p:nvGrpSpPr>
+            <p:cNvPr id="106" name="Group 105">
+              <a:extLst>
+                <a:ext uri="{FF2B5EF4-FFF2-40B4-BE49-F238E27FC236}">
+                  <a16:creationId xmlns:a16="http://schemas.microsoft.com/office/drawing/2014/main" id="{92329DDC-E4E3-C844-B8F2-237BD7A70472}"/>
+                </a:ext>
+              </a:extLst>
+            </p:cNvPr>
+            <p:cNvGrpSpPr/>
+            <p:nvPr/>
+          </p:nvGrpSpPr>
+          <p:grpSpPr>
+            <a:xfrm>
+              <a:off x="7312540" y="1367515"/>
+              <a:ext cx="1845725" cy="1844306"/>
+              <a:chOff x="7520576" y="1502364"/>
+              <a:chExt cx="1845725" cy="1844306"/>
+            </a:xfrm>
+          </p:grpSpPr>
+          <p:sp>
+            <p:nvSpPr>
+              <p:cNvPr id="114" name="Rounded Rectangle 113">
+                <a:extLst>
+                  <a:ext uri="{FF2B5EF4-FFF2-40B4-BE49-F238E27FC236}">
+                    <a16:creationId xmlns:a16="http://schemas.microsoft.com/office/drawing/2014/main" id="{D675215C-6C7A-E145-A18C-A3D37B532636}"/>
+                  </a:ext>
+                </a:extLst>
+              </p:cNvPr>
+              <p:cNvSpPr/>
+              <p:nvPr/>
+            </p:nvSpPr>
+            <p:spPr>
+              <a:xfrm>
+                <a:off x="7520576" y="1502364"/>
+                <a:ext cx="1845725" cy="1844306"/>
+              </a:xfrm>
+              <a:prstGeom prst="roundRect">
+                <a:avLst/>
+              </a:prstGeom>
+            </p:spPr>
+            <p:style>
+              <a:lnRef idx="2">
+                <a:schemeClr val="dk1"/>
+              </a:lnRef>
+              <a:fillRef idx="1">
+                <a:schemeClr val="lt1"/>
+              </a:fillRef>
+              <a:effectRef idx="0">
+                <a:schemeClr val="dk1"/>
+              </a:effectRef>
+              <a:fontRef idx="minor">
+                <a:schemeClr val="dk1"/>
+              </a:fontRef>
+            </p:style>
+            <p:txBody>
+              <a:bodyPr rtlCol="0" anchor="b"/>
+              <a:lstStyle/>
+              <a:p>
+                <a:pPr algn="ctr"/>
+                <a:r>
+                  <a:rPr lang="en-US" sz="1500" dirty="0"/>
+                  <a:t>Perpetrator ID = 55500001</a:t>
+                </a:r>
+              </a:p>
+            </p:txBody>
+          </p:sp>
+          <p:pic>
+            <p:nvPicPr>
+              <p:cNvPr id="115" name="Picture 114">
+                <a:extLst>
+                  <a:ext uri="{FF2B5EF4-FFF2-40B4-BE49-F238E27FC236}">
+                    <a16:creationId xmlns:a16="http://schemas.microsoft.com/office/drawing/2014/main" id="{F1E54C91-0417-EF41-8DB7-6F513E410B8C}"/>
+                  </a:ext>
+                </a:extLst>
+              </p:cNvPr>
+              <p:cNvPicPr>
+                <a:picLocks noChangeAspect="1"/>
+              </p:cNvPicPr>
+              <p:nvPr/>
+            </p:nvPicPr>
+            <p:blipFill>
+              <a:blip r:embed="rId3">
+                <a:duotone>
+                  <a:schemeClr val="accent2">
+                    <a:shade val="45000"/>
+                    <a:satMod val="135000"/>
+                  </a:schemeClr>
+                  <a:prstClr val="white"/>
+                </a:duotone>
+              </a:blip>
+              <a:stretch>
+                <a:fillRect/>
+              </a:stretch>
+            </p:blipFill>
+            <p:spPr>
+              <a:xfrm>
+                <a:off x="8147658" y="1571008"/>
+                <a:ext cx="527323" cy="694160"/>
+              </a:xfrm>
+              <a:prstGeom prst="rect">
+                <a:avLst/>
+              </a:prstGeom>
+            </p:spPr>
+          </p:pic>
+        </p:grpSp>
+        <p:cxnSp>
+          <p:nvCxnSpPr>
+            <p:cNvPr id="107" name="Elbow Connector 106">
+              <a:extLst>
+                <a:ext uri="{FF2B5EF4-FFF2-40B4-BE49-F238E27FC236}">
+                  <a16:creationId xmlns:a16="http://schemas.microsoft.com/office/drawing/2014/main" id="{BF597DFF-E355-DC42-9C4B-1CE90981ED8F}"/>
+                </a:ext>
+              </a:extLst>
+            </p:cNvPr>
+            <p:cNvCxnSpPr>
+              <a:stCxn id="102" idx="3"/>
+              <a:endCxn id="116" idx="1"/>
+            </p:cNvCxnSpPr>
+            <p:nvPr/>
+          </p:nvCxnSpPr>
+          <p:spPr>
+            <a:xfrm>
+              <a:off x="3750157" y="2289668"/>
+              <a:ext cx="1018534" cy="1184044"/>
+            </a:xfrm>
+            <a:prstGeom prst="bentConnector3">
+              <a:avLst/>
+            </a:prstGeom>
+            <a:ln>
+              <a:tailEnd type="triangle"/>
+            </a:ln>
+          </p:spPr>
+          <p:style>
+            <a:lnRef idx="1">
+              <a:schemeClr val="accent1"/>
+            </a:lnRef>
+            <a:fillRef idx="0">
+              <a:schemeClr val="accent1"/>
+            </a:fillRef>
+            <a:effectRef idx="0">
+              <a:schemeClr val="accent1"/>
+            </a:effectRef>
+            <a:fontRef idx="minor">
+              <a:schemeClr val="tx1"/>
+            </a:fontRef>
+          </p:style>
+        </p:cxnSp>
+        <p:cxnSp>
+          <p:nvCxnSpPr>
+            <p:cNvPr id="108" name="Elbow Connector 107">
+              <a:extLst>
+                <a:ext uri="{FF2B5EF4-FFF2-40B4-BE49-F238E27FC236}">
+                  <a16:creationId xmlns:a16="http://schemas.microsoft.com/office/drawing/2014/main" id="{48F02169-F5B5-2C4E-BE81-594980499A1C}"/>
+                </a:ext>
+              </a:extLst>
+            </p:cNvPr>
+            <p:cNvCxnSpPr>
+              <a:endCxn id="116" idx="1"/>
+            </p:cNvCxnSpPr>
+            <p:nvPr/>
+          </p:nvCxnSpPr>
+          <p:spPr>
+            <a:xfrm flipV="1">
+              <a:off x="3754096" y="3473712"/>
+              <a:ext cx="1014595" cy="922153"/>
+            </a:xfrm>
+            <a:prstGeom prst="bentConnector3">
+              <a:avLst/>
+            </a:prstGeom>
+            <a:ln>
+              <a:tailEnd type="triangle"/>
+            </a:ln>
+          </p:spPr>
+          <p:style>
+            <a:lnRef idx="1">
+              <a:schemeClr val="accent1"/>
+            </a:lnRef>
+            <a:fillRef idx="0">
+              <a:schemeClr val="accent1"/>
+            </a:fillRef>
+            <a:effectRef idx="0">
+              <a:schemeClr val="accent1"/>
+            </a:effectRef>
+            <a:fontRef idx="minor">
+              <a:schemeClr val="tx1"/>
+            </a:fontRef>
+          </p:style>
+        </p:cxnSp>
+        <p:grpSp>
+          <p:nvGrpSpPr>
+            <p:cNvPr id="109" name="Group 108">
+              <a:extLst>
+                <a:ext uri="{FF2B5EF4-FFF2-40B4-BE49-F238E27FC236}">
+                  <a16:creationId xmlns:a16="http://schemas.microsoft.com/office/drawing/2014/main" id="{D0E846F5-DD79-8545-882D-49C66C2743A0}"/>
+                </a:ext>
+              </a:extLst>
+            </p:cNvPr>
+            <p:cNvGrpSpPr/>
+            <p:nvPr/>
+          </p:nvGrpSpPr>
+          <p:grpSpPr>
+            <a:xfrm>
+              <a:off x="7312540" y="3542356"/>
+              <a:ext cx="1845725" cy="1844306"/>
+              <a:chOff x="7520576" y="1502364"/>
+              <a:chExt cx="1845725" cy="1844306"/>
+            </a:xfrm>
+          </p:grpSpPr>
+          <p:sp>
+            <p:nvSpPr>
+              <p:cNvPr id="112" name="Rounded Rectangle 111">
+                <a:extLst>
+                  <a:ext uri="{FF2B5EF4-FFF2-40B4-BE49-F238E27FC236}">
+                    <a16:creationId xmlns:a16="http://schemas.microsoft.com/office/drawing/2014/main" id="{8E56F4C4-E90C-3D4C-90F2-79238A6BE477}"/>
+                  </a:ext>
+                </a:extLst>
+              </p:cNvPr>
+              <p:cNvSpPr/>
+              <p:nvPr/>
+            </p:nvSpPr>
+            <p:spPr>
+              <a:xfrm>
+                <a:off x="7520576" y="1502364"/>
+                <a:ext cx="1845725" cy="1844306"/>
+              </a:xfrm>
+              <a:prstGeom prst="roundRect">
+                <a:avLst/>
+              </a:prstGeom>
+            </p:spPr>
+            <p:style>
+              <a:lnRef idx="2">
+                <a:schemeClr val="dk1"/>
+              </a:lnRef>
+              <a:fillRef idx="1">
+                <a:schemeClr val="lt1"/>
+              </a:fillRef>
+              <a:effectRef idx="0">
+                <a:schemeClr val="dk1"/>
+              </a:effectRef>
+              <a:fontRef idx="minor">
+                <a:schemeClr val="dk1"/>
+              </a:fontRef>
+            </p:style>
+            <p:txBody>
+              <a:bodyPr rtlCol="0" anchor="b"/>
+              <a:lstStyle/>
+              <a:p>
+                <a:pPr algn="ctr"/>
+                <a:r>
+                  <a:rPr lang="en-US" sz="1500" dirty="0"/>
+                  <a:t> Mary Smith</a:t>
+                </a:r>
+              </a:p>
+              <a:p>
+                <a:pPr algn="ctr"/>
+                <a:r>
+                  <a:rPr lang="en-US" sz="1500" dirty="0"/>
+                  <a:t>Perpetrator ID = 55500002</a:t>
+                </a:r>
+              </a:p>
+            </p:txBody>
+          </p:sp>
+          <p:pic>
+            <p:nvPicPr>
+              <p:cNvPr id="113" name="Picture 112">
+                <a:extLst>
+                  <a:ext uri="{FF2B5EF4-FFF2-40B4-BE49-F238E27FC236}">
+                    <a16:creationId xmlns:a16="http://schemas.microsoft.com/office/drawing/2014/main" id="{16F731BF-4564-C24E-96C7-6EC3B13E0674}"/>
+                  </a:ext>
+                </a:extLst>
+              </p:cNvPr>
+              <p:cNvPicPr>
+                <a:picLocks noChangeAspect="1"/>
+              </p:cNvPicPr>
+              <p:nvPr/>
+            </p:nvPicPr>
+            <p:blipFill>
+              <a:blip r:embed="rId3"/>
+              <a:stretch>
+                <a:fillRect/>
+              </a:stretch>
+            </p:blipFill>
+            <p:spPr>
+              <a:xfrm>
+                <a:off x="8147658" y="1571008"/>
+                <a:ext cx="527323" cy="694160"/>
+              </a:xfrm>
+              <a:prstGeom prst="rect">
+                <a:avLst/>
+              </a:prstGeom>
+            </p:spPr>
+          </p:pic>
+        </p:grpSp>
+        <p:cxnSp>
+          <p:nvCxnSpPr>
+            <p:cNvPr id="110" name="Elbow Connector 109">
+              <a:extLst>
+                <a:ext uri="{FF2B5EF4-FFF2-40B4-BE49-F238E27FC236}">
+                  <a16:creationId xmlns:a16="http://schemas.microsoft.com/office/drawing/2014/main" id="{21D44841-57A2-E44B-9FDA-63CF1D404B90}"/>
+                </a:ext>
+              </a:extLst>
+            </p:cNvPr>
+            <p:cNvCxnSpPr>
+              <a:stCxn id="114" idx="1"/>
+              <a:endCxn id="116" idx="3"/>
+            </p:cNvCxnSpPr>
+            <p:nvPr/>
+          </p:nvCxnSpPr>
+          <p:spPr>
+            <a:xfrm rot="10800000" flipV="1">
+              <a:off x="6614416" y="2289668"/>
+              <a:ext cx="698124" cy="1184044"/>
+            </a:xfrm>
+            <a:prstGeom prst="bentConnector3">
+              <a:avLst/>
+            </a:prstGeom>
+            <a:ln>
+              <a:tailEnd type="triangle"/>
+            </a:ln>
+          </p:spPr>
+          <p:style>
+            <a:lnRef idx="1">
+              <a:schemeClr val="accent1"/>
+            </a:lnRef>
+            <a:fillRef idx="0">
+              <a:schemeClr val="accent1"/>
+            </a:fillRef>
+            <a:effectRef idx="0">
+              <a:schemeClr val="accent1"/>
+            </a:effectRef>
+            <a:fontRef idx="minor">
+              <a:schemeClr val="tx1"/>
+            </a:fontRef>
+          </p:style>
+        </p:cxnSp>
+        <p:cxnSp>
+          <p:nvCxnSpPr>
+            <p:cNvPr id="111" name="Elbow Connector 110">
+              <a:extLst>
+                <a:ext uri="{FF2B5EF4-FFF2-40B4-BE49-F238E27FC236}">
+                  <a16:creationId xmlns:a16="http://schemas.microsoft.com/office/drawing/2014/main" id="{2650F355-6293-A44D-9547-A2AF3CCDA90C}"/>
+                </a:ext>
+              </a:extLst>
+            </p:cNvPr>
+            <p:cNvCxnSpPr>
+              <a:stCxn id="112" idx="1"/>
+              <a:endCxn id="116" idx="3"/>
+            </p:cNvCxnSpPr>
+            <p:nvPr/>
+          </p:nvCxnSpPr>
+          <p:spPr>
+            <a:xfrm rot="10800000">
+              <a:off x="6614416" y="3473713"/>
+              <a:ext cx="698124" cy="990797"/>
+            </a:xfrm>
+            <a:prstGeom prst="bentConnector3">
+              <a:avLst/>
+            </a:prstGeom>
+            <a:ln>
+              <a:tailEnd type="triangle"/>
+            </a:ln>
+          </p:spPr>
+          <p:style>
+            <a:lnRef idx="1">
+              <a:schemeClr val="accent1"/>
+            </a:lnRef>
+            <a:fillRef idx="0">
+              <a:schemeClr val="accent1"/>
+            </a:fillRef>
+            <a:effectRef idx="0">
+              <a:schemeClr val="accent1"/>
+            </a:effectRef>
+            <a:fontRef idx="minor">
+              <a:schemeClr val="tx1"/>
+            </a:fontRef>
+          </p:style>
+        </p:cxnSp>
+      </p:grpSp>
+      <p:sp>
+        <p:nvSpPr>
+          <p:cNvPr id="23" name="Left Brace 22">
+            <a:extLst>
+              <a:ext uri="{FF2B5EF4-FFF2-40B4-BE49-F238E27FC236}">
+                <a16:creationId xmlns:a16="http://schemas.microsoft.com/office/drawing/2014/main" id="{F290ABC3-EF69-8744-98EF-40AF00E6B5EF}"/>
+              </a:ext>
+            </a:extLst>
+          </p:cNvPr>
+          <p:cNvSpPr/>
+          <p:nvPr/>
+        </p:nvSpPr>
+        <p:spPr>
+          <a:xfrm rot="5400000">
+            <a:off x="5673780" y="-2057202"/>
+            <a:ext cx="852319" cy="7245955"/>
+          </a:xfrm>
+          <a:prstGeom prst="leftBrace">
+            <a:avLst>
+              <a:gd name="adj1" fmla="val 35762"/>
+              <a:gd name="adj2" fmla="val 50000"/>
+            </a:avLst>
+          </a:prstGeom>
+          <a:ln w="12700"/>
+        </p:spPr>
+        <p:style>
+          <a:lnRef idx="1">
+            <a:schemeClr val="accent1"/>
+          </a:lnRef>
+          <a:fillRef idx="0">
+            <a:schemeClr val="accent1"/>
+          </a:fillRef>
+          <a:effectRef idx="0">
+            <a:schemeClr val="accent1"/>
+          </a:effectRef>
+          <a:fontRef idx="minor">
+            <a:schemeClr val="tx1"/>
+          </a:fontRef>
+        </p:style>
+        <p:txBody>
+          <a:bodyPr rtlCol="0" anchor="ctr"/>
+          <a:lstStyle/>
+          <a:p>
+            <a:pPr algn="ctr"/>
+            <a:endParaRPr lang="en-US"/>
+          </a:p>
+        </p:txBody>
+      </p:sp>
+      <p:sp>
+        <p:nvSpPr>
+          <p:cNvPr id="120" name="TextBox 119">
+            <a:extLst>
+              <a:ext uri="{FF2B5EF4-FFF2-40B4-BE49-F238E27FC236}">
+                <a16:creationId xmlns:a16="http://schemas.microsoft.com/office/drawing/2014/main" id="{4B8EBD75-295F-194F-89CA-FED93221A888}"/>
+              </a:ext>
+            </a:extLst>
+          </p:cNvPr>
+          <p:cNvSpPr txBox="1"/>
+          <p:nvPr/>
+        </p:nvSpPr>
+        <p:spPr>
+          <a:xfrm>
+            <a:off x="2476961" y="400952"/>
+            <a:ext cx="7245956" cy="738664"/>
+          </a:xfrm>
+          <a:prstGeom prst="rect">
+            <a:avLst/>
+          </a:prstGeom>
+          <a:noFill/>
+        </p:spPr>
+        <p:txBody>
+          <a:bodyPr wrap="square" rtlCol="0">
+            <a:spAutoFit/>
+          </a:bodyPr>
+          <a:lstStyle/>
+          <a:p>
+            <a:pPr algn="ctr"/>
+            <a:r>
+              <a:rPr lang="en-US" sz="1400" dirty="0"/>
+              <a:t>3. There is a unique </a:t>
+            </a:r>
+            <a:r>
+              <a:rPr lang="en-US" sz="1400" b="1" dirty="0"/>
+              <a:t>case number </a:t>
+            </a:r>
+            <a:r>
+              <a:rPr lang="en-US" sz="1400" dirty="0"/>
+              <a:t>assigned to this victim and report/group of reports. </a:t>
+            </a:r>
+          </a:p>
+          <a:p>
+            <a:pPr algn="ctr"/>
+            <a:r>
+              <a:rPr lang="en-US" sz="1400" dirty="0"/>
+              <a:t>- If more than one victim is reported at once, each is given a separate case number. </a:t>
+            </a:r>
+          </a:p>
+          <a:p>
+            <a:pPr algn="ctr"/>
+            <a:r>
+              <a:rPr lang="en-US" sz="1400" dirty="0"/>
+              <a:t>- A single victim may be associated with more than one case.</a:t>
+            </a:r>
+          </a:p>
+        </p:txBody>
+      </p:sp>
     </p:spTree>
     <p:extLst>
       <p:ext uri="{BB962C8B-B14F-4D97-AF65-F5344CB8AC3E}">
-        <p14:creationId xmlns:p14="http://schemas.microsoft.com/office/powerpoint/2010/main" val="1630810266"/>
+        <p14:creationId xmlns:p14="http://schemas.microsoft.com/office/powerpoint/2010/main" val="233076588"/>
       </p:ext>
     </p:extLst>
   </p:cSld>
